--- a/Доклады/Интеграция Java плагина презентация.pptx
+++ b/Доклады/Интеграция Java плагина презентация.pptx
@@ -4,15 +4,19 @@
   <p:sldMasterIdLst>
     <p:sldMasterId id="2147483648" r:id="rId1"/>
   </p:sldMasterIdLst>
+  <p:notesMasterIdLst>
+    <p:notesMasterId r:id="rId11"/>
+  </p:notesMasterIdLst>
   <p:sldIdLst>
     <p:sldId id="256" r:id="rId2"/>
     <p:sldId id="257" r:id="rId3"/>
     <p:sldId id="258" r:id="rId4"/>
     <p:sldId id="259" r:id="rId5"/>
     <p:sldId id="260" r:id="rId6"/>
-    <p:sldId id="261" r:id="rId7"/>
-    <p:sldId id="262" r:id="rId8"/>
-    <p:sldId id="263" r:id="rId9"/>
+    <p:sldId id="264" r:id="rId7"/>
+    <p:sldId id="261" r:id="rId8"/>
+    <p:sldId id="262" r:id="rId9"/>
+    <p:sldId id="263" r:id="rId10"/>
   </p:sldIdLst>
   <p:sldSz cx="12192000" cy="6858000"/>
   <p:notesSz cx="6858000" cy="9144000"/>
@@ -111,7 +115,361 @@
       </a:defRPr>
     </a:lvl9pPr>
   </p:defaultTextStyle>
+  <p:extLst>
+    <p:ext uri="{EFAFB233-063F-42B5-8137-9DF3F51BA10A}">
+      <p15:sldGuideLst xmlns:p15="http://schemas.microsoft.com/office/powerpoint/2012/main"/>
+    </p:ext>
+  </p:extLst>
 </p:presentation>
+</file>
+
+<file path=ppt/notesMasters/notesMaster1.xml><?xml version="1.0" encoding="utf-8"?>
+<p:notesMaster xmlns:a="http://schemas.openxmlformats.org/drawingml/2006/main" xmlns:r="http://schemas.openxmlformats.org/officeDocument/2006/relationships" xmlns:p="http://schemas.openxmlformats.org/presentationml/2006/main">
+  <p:cSld>
+    <p:bg>
+      <p:bgRef idx="1001">
+        <a:schemeClr val="bg1"/>
+      </p:bgRef>
+    </p:bg>
+    <p:spTree>
+      <p:nvGrpSpPr>
+        <p:cNvPr id="1" name=""/>
+        <p:cNvGrpSpPr/>
+        <p:nvPr/>
+      </p:nvGrpSpPr>
+      <p:grpSpPr>
+        <a:xfrm>
+          <a:off x="0" y="0"/>
+          <a:ext cx="0" cy="0"/>
+          <a:chOff x="0" y="0"/>
+          <a:chExt cx="0" cy="0"/>
+        </a:xfrm>
+      </p:grpSpPr>
+      <p:sp>
+        <p:nvSpPr>
+          <p:cNvPr id="2" name="Верхний колонтитул 1"/>
+          <p:cNvSpPr>
+            <a:spLocks noGrp="1"/>
+          </p:cNvSpPr>
+          <p:nvPr>
+            <p:ph type="hdr" sz="quarter"/>
+          </p:nvPr>
+        </p:nvSpPr>
+        <p:spPr>
+          <a:xfrm>
+            <a:off x="0" y="0"/>
+            <a:ext cx="2971800" cy="458788"/>
+          </a:xfrm>
+          <a:prstGeom prst="rect">
+            <a:avLst/>
+          </a:prstGeom>
+        </p:spPr>
+        <p:txBody>
+          <a:bodyPr vert="horz" lIns="91440" tIns="45720" rIns="91440" bIns="45720" rtlCol="0"/>
+          <a:lstStyle>
+            <a:lvl1pPr algn="l">
+              <a:defRPr sz="1200"/>
+            </a:lvl1pPr>
+          </a:lstStyle>
+          <a:p>
+            <a:endParaRPr lang="ru-RU"/>
+          </a:p>
+        </p:txBody>
+      </p:sp>
+      <p:sp>
+        <p:nvSpPr>
+          <p:cNvPr id="3" name="Дата 2"/>
+          <p:cNvSpPr>
+            <a:spLocks noGrp="1"/>
+          </p:cNvSpPr>
+          <p:nvPr>
+            <p:ph type="dt" idx="1"/>
+          </p:nvPr>
+        </p:nvSpPr>
+        <p:spPr>
+          <a:xfrm>
+            <a:off x="3884613" y="0"/>
+            <a:ext cx="2971800" cy="458788"/>
+          </a:xfrm>
+          <a:prstGeom prst="rect">
+            <a:avLst/>
+          </a:prstGeom>
+        </p:spPr>
+        <p:txBody>
+          <a:bodyPr vert="horz" lIns="91440" tIns="45720" rIns="91440" bIns="45720" rtlCol="0"/>
+          <a:lstStyle>
+            <a:lvl1pPr algn="r">
+              <a:defRPr sz="1200"/>
+            </a:lvl1pPr>
+          </a:lstStyle>
+          <a:p>
+            <a:fld id="{A70A143D-0725-4EF1-8C75-E0BBBF10956E}" type="datetimeFigureOut">
+              <a:rPr lang="ru-RU" smtClean="0"/>
+              <a:t>15.11.2023</a:t>
+            </a:fld>
+            <a:endParaRPr lang="ru-RU"/>
+          </a:p>
+        </p:txBody>
+      </p:sp>
+      <p:sp>
+        <p:nvSpPr>
+          <p:cNvPr id="4" name="Образ слайда 3"/>
+          <p:cNvSpPr>
+            <a:spLocks noGrp="1" noRot="1" noChangeAspect="1"/>
+          </p:cNvSpPr>
+          <p:nvPr>
+            <p:ph type="sldImg" idx="2"/>
+          </p:nvPr>
+        </p:nvSpPr>
+        <p:spPr>
+          <a:xfrm>
+            <a:off x="685800" y="1143000"/>
+            <a:ext cx="5486400" cy="3086100"/>
+          </a:xfrm>
+          <a:prstGeom prst="rect">
+            <a:avLst/>
+          </a:prstGeom>
+          <a:noFill/>
+          <a:ln w="12700">
+            <a:solidFill>
+              <a:prstClr val="black"/>
+            </a:solidFill>
+          </a:ln>
+        </p:spPr>
+        <p:txBody>
+          <a:bodyPr vert="horz" lIns="91440" tIns="45720" rIns="91440" bIns="45720" rtlCol="0" anchor="ctr"/>
+          <a:lstStyle/>
+          <a:p>
+            <a:endParaRPr lang="ru-RU"/>
+          </a:p>
+        </p:txBody>
+      </p:sp>
+      <p:sp>
+        <p:nvSpPr>
+          <p:cNvPr id="5" name="Заметки 4"/>
+          <p:cNvSpPr>
+            <a:spLocks noGrp="1"/>
+          </p:cNvSpPr>
+          <p:nvPr>
+            <p:ph type="body" sz="quarter" idx="3"/>
+          </p:nvPr>
+        </p:nvSpPr>
+        <p:spPr>
+          <a:xfrm>
+            <a:off x="685800" y="4400550"/>
+            <a:ext cx="5486400" cy="3600450"/>
+          </a:xfrm>
+          <a:prstGeom prst="rect">
+            <a:avLst/>
+          </a:prstGeom>
+        </p:spPr>
+        <p:txBody>
+          <a:bodyPr vert="horz" lIns="91440" tIns="45720" rIns="91440" bIns="45720" rtlCol="0"/>
+          <a:lstStyle/>
+          <a:p>
+            <a:pPr lvl="0"/>
+            <a:r>
+              <a:rPr lang="ru-RU"/>
+              <a:t>Образец текста</a:t>
+            </a:r>
+          </a:p>
+          <a:p>
+            <a:pPr lvl="1"/>
+            <a:r>
+              <a:rPr lang="ru-RU"/>
+              <a:t>Второй уровень</a:t>
+            </a:r>
+          </a:p>
+          <a:p>
+            <a:pPr lvl="2"/>
+            <a:r>
+              <a:rPr lang="ru-RU"/>
+              <a:t>Третий уровень</a:t>
+            </a:r>
+          </a:p>
+          <a:p>
+            <a:pPr lvl="3"/>
+            <a:r>
+              <a:rPr lang="ru-RU"/>
+              <a:t>Четвертый уровень</a:t>
+            </a:r>
+          </a:p>
+          <a:p>
+            <a:pPr lvl="4"/>
+            <a:r>
+              <a:rPr lang="ru-RU"/>
+              <a:t>Пятый уровень</a:t>
+            </a:r>
+          </a:p>
+        </p:txBody>
+      </p:sp>
+      <p:sp>
+        <p:nvSpPr>
+          <p:cNvPr id="6" name="Нижний колонтитул 5"/>
+          <p:cNvSpPr>
+            <a:spLocks noGrp="1"/>
+          </p:cNvSpPr>
+          <p:nvPr>
+            <p:ph type="ftr" sz="quarter" idx="4"/>
+          </p:nvPr>
+        </p:nvSpPr>
+        <p:spPr>
+          <a:xfrm>
+            <a:off x="0" y="8685213"/>
+            <a:ext cx="2971800" cy="458787"/>
+          </a:xfrm>
+          <a:prstGeom prst="rect">
+            <a:avLst/>
+          </a:prstGeom>
+        </p:spPr>
+        <p:txBody>
+          <a:bodyPr vert="horz" lIns="91440" tIns="45720" rIns="91440" bIns="45720" rtlCol="0" anchor="b"/>
+          <a:lstStyle>
+            <a:lvl1pPr algn="l">
+              <a:defRPr sz="1200"/>
+            </a:lvl1pPr>
+          </a:lstStyle>
+          <a:p>
+            <a:endParaRPr lang="ru-RU"/>
+          </a:p>
+        </p:txBody>
+      </p:sp>
+      <p:sp>
+        <p:nvSpPr>
+          <p:cNvPr id="7" name="Номер слайда 6"/>
+          <p:cNvSpPr>
+            <a:spLocks noGrp="1"/>
+          </p:cNvSpPr>
+          <p:nvPr>
+            <p:ph type="sldNum" sz="quarter" idx="5"/>
+          </p:nvPr>
+        </p:nvSpPr>
+        <p:spPr>
+          <a:xfrm>
+            <a:off x="3884613" y="8685213"/>
+            <a:ext cx="2971800" cy="458787"/>
+          </a:xfrm>
+          <a:prstGeom prst="rect">
+            <a:avLst/>
+          </a:prstGeom>
+        </p:spPr>
+        <p:txBody>
+          <a:bodyPr vert="horz" lIns="91440" tIns="45720" rIns="91440" bIns="45720" rtlCol="0" anchor="b"/>
+          <a:lstStyle>
+            <a:lvl1pPr algn="r">
+              <a:defRPr sz="1200"/>
+            </a:lvl1pPr>
+          </a:lstStyle>
+          <a:p>
+            <a:fld id="{1CD9F077-DB7B-4005-8591-B4B1B5112599}" type="slidenum">
+              <a:rPr lang="ru-RU" smtClean="0"/>
+              <a:t>‹#›</a:t>
+            </a:fld>
+            <a:endParaRPr lang="ru-RU"/>
+          </a:p>
+        </p:txBody>
+      </p:sp>
+    </p:spTree>
+    <p:extLst>
+      <p:ext uri="{BB962C8B-B14F-4D97-AF65-F5344CB8AC3E}">
+        <p14:creationId xmlns:p14="http://schemas.microsoft.com/office/powerpoint/2010/main" val="2832331853"/>
+      </p:ext>
+    </p:extLst>
+  </p:cSld>
+  <p:clrMap bg1="lt1" tx1="dk1" bg2="lt2" tx2="dk2" accent1="accent1" accent2="accent2" accent3="accent3" accent4="accent4" accent5="accent5" accent6="accent6" hlink="hlink" folHlink="folHlink"/>
+  <p:notesStyle>
+    <a:lvl1pPr marL="0" algn="l" defTabSz="914400" rtl="0" eaLnBrk="1" latinLnBrk="0" hangingPunct="1">
+      <a:defRPr sz="1200" kern="1200">
+        <a:solidFill>
+          <a:schemeClr val="tx1"/>
+        </a:solidFill>
+        <a:latin typeface="+mn-lt"/>
+        <a:ea typeface="+mn-ea"/>
+        <a:cs typeface="+mn-cs"/>
+      </a:defRPr>
+    </a:lvl1pPr>
+    <a:lvl2pPr marL="457200" algn="l" defTabSz="914400" rtl="0" eaLnBrk="1" latinLnBrk="0" hangingPunct="1">
+      <a:defRPr sz="1200" kern="1200">
+        <a:solidFill>
+          <a:schemeClr val="tx1"/>
+        </a:solidFill>
+        <a:latin typeface="+mn-lt"/>
+        <a:ea typeface="+mn-ea"/>
+        <a:cs typeface="+mn-cs"/>
+      </a:defRPr>
+    </a:lvl2pPr>
+    <a:lvl3pPr marL="914400" algn="l" defTabSz="914400" rtl="0" eaLnBrk="1" latinLnBrk="0" hangingPunct="1">
+      <a:defRPr sz="1200" kern="1200">
+        <a:solidFill>
+          <a:schemeClr val="tx1"/>
+        </a:solidFill>
+        <a:latin typeface="+mn-lt"/>
+        <a:ea typeface="+mn-ea"/>
+        <a:cs typeface="+mn-cs"/>
+      </a:defRPr>
+    </a:lvl3pPr>
+    <a:lvl4pPr marL="1371600" algn="l" defTabSz="914400" rtl="0" eaLnBrk="1" latinLnBrk="0" hangingPunct="1">
+      <a:defRPr sz="1200" kern="1200">
+        <a:solidFill>
+          <a:schemeClr val="tx1"/>
+        </a:solidFill>
+        <a:latin typeface="+mn-lt"/>
+        <a:ea typeface="+mn-ea"/>
+        <a:cs typeface="+mn-cs"/>
+      </a:defRPr>
+    </a:lvl4pPr>
+    <a:lvl5pPr marL="1828800" algn="l" defTabSz="914400" rtl="0" eaLnBrk="1" latinLnBrk="0" hangingPunct="1">
+      <a:defRPr sz="1200" kern="1200">
+        <a:solidFill>
+          <a:schemeClr val="tx1"/>
+        </a:solidFill>
+        <a:latin typeface="+mn-lt"/>
+        <a:ea typeface="+mn-ea"/>
+        <a:cs typeface="+mn-cs"/>
+      </a:defRPr>
+    </a:lvl5pPr>
+    <a:lvl6pPr marL="2286000" algn="l" defTabSz="914400" rtl="0" eaLnBrk="1" latinLnBrk="0" hangingPunct="1">
+      <a:defRPr sz="1200" kern="1200">
+        <a:solidFill>
+          <a:schemeClr val="tx1"/>
+        </a:solidFill>
+        <a:latin typeface="+mn-lt"/>
+        <a:ea typeface="+mn-ea"/>
+        <a:cs typeface="+mn-cs"/>
+      </a:defRPr>
+    </a:lvl6pPr>
+    <a:lvl7pPr marL="2743200" algn="l" defTabSz="914400" rtl="0" eaLnBrk="1" latinLnBrk="0" hangingPunct="1">
+      <a:defRPr sz="1200" kern="1200">
+        <a:solidFill>
+          <a:schemeClr val="tx1"/>
+        </a:solidFill>
+        <a:latin typeface="+mn-lt"/>
+        <a:ea typeface="+mn-ea"/>
+        <a:cs typeface="+mn-cs"/>
+      </a:defRPr>
+    </a:lvl7pPr>
+    <a:lvl8pPr marL="3200400" algn="l" defTabSz="914400" rtl="0" eaLnBrk="1" latinLnBrk="0" hangingPunct="1">
+      <a:defRPr sz="1200" kern="1200">
+        <a:solidFill>
+          <a:schemeClr val="tx1"/>
+        </a:solidFill>
+        <a:latin typeface="+mn-lt"/>
+        <a:ea typeface="+mn-ea"/>
+        <a:cs typeface="+mn-cs"/>
+      </a:defRPr>
+    </a:lvl8pPr>
+    <a:lvl9pPr marL="3657600" algn="l" defTabSz="914400" rtl="0" eaLnBrk="1" latinLnBrk="0" hangingPunct="1">
+      <a:defRPr sz="1200" kern="1200">
+        <a:solidFill>
+          <a:schemeClr val="tx1"/>
+        </a:solidFill>
+        <a:latin typeface="+mn-lt"/>
+        <a:ea typeface="+mn-ea"/>
+        <a:cs typeface="+mn-cs"/>
+      </a:defRPr>
+    </a:lvl9pPr>
+  </p:notesStyle>
+</p:notesMaster>
 </file>
 
 <file path=ppt/slideLayouts/slideLayout1.xml><?xml version="1.0" encoding="utf-8"?>
@@ -259,9 +617,9 @@
           <a:bodyPr/>
           <a:lstStyle/>
           <a:p>
-            <a:fld id="{7D2A88EC-1431-4A6C-B11F-2CCE1F06DCB5}" type="datetimeFigureOut">
+            <a:fld id="{FE9A74CB-E4AA-4E39-920D-1585E04A3E26}" type="datetime1">
               <a:rPr lang="ru-RU" smtClean="0"/>
-              <a:t>13.11.2023</a:t>
+              <a:t>15.11.2023</a:t>
             </a:fld>
             <a:endParaRPr lang="ru-RU"/>
           </a:p>
@@ -457,9 +815,9 @@
           <a:bodyPr/>
           <a:lstStyle/>
           <a:p>
-            <a:fld id="{7D2A88EC-1431-4A6C-B11F-2CCE1F06DCB5}" type="datetimeFigureOut">
+            <a:fld id="{0EA70EB8-0B62-4042-9C5E-4F7139D0F9FE}" type="datetime1">
               <a:rPr lang="ru-RU" smtClean="0"/>
-              <a:t>13.11.2023</a:t>
+              <a:t>15.11.2023</a:t>
             </a:fld>
             <a:endParaRPr lang="ru-RU"/>
           </a:p>
@@ -665,9 +1023,9 @@
           <a:bodyPr/>
           <a:lstStyle/>
           <a:p>
-            <a:fld id="{7D2A88EC-1431-4A6C-B11F-2CCE1F06DCB5}" type="datetimeFigureOut">
+            <a:fld id="{9FE0E09F-85D6-49BF-A58A-D988D295BEFD}" type="datetime1">
               <a:rPr lang="ru-RU" smtClean="0"/>
-              <a:t>13.11.2023</a:t>
+              <a:t>15.11.2023</a:t>
             </a:fld>
             <a:endParaRPr lang="ru-RU"/>
           </a:p>
@@ -863,9 +1221,9 @@
           <a:bodyPr/>
           <a:lstStyle/>
           <a:p>
-            <a:fld id="{7D2A88EC-1431-4A6C-B11F-2CCE1F06DCB5}" type="datetimeFigureOut">
+            <a:fld id="{A20AB305-0D2B-425F-807A-4C27A65C4B5D}" type="datetime1">
               <a:rPr lang="ru-RU" smtClean="0"/>
-              <a:t>13.11.2023</a:t>
+              <a:t>15.11.2023</a:t>
             </a:fld>
             <a:endParaRPr lang="ru-RU"/>
           </a:p>
@@ -1138,9 +1496,9 @@
           <a:bodyPr/>
           <a:lstStyle/>
           <a:p>
-            <a:fld id="{7D2A88EC-1431-4A6C-B11F-2CCE1F06DCB5}" type="datetimeFigureOut">
+            <a:fld id="{48364311-1A20-40B6-97FF-24C2677D4D6F}" type="datetime1">
               <a:rPr lang="ru-RU" smtClean="0"/>
-              <a:t>13.11.2023</a:t>
+              <a:t>15.11.2023</a:t>
             </a:fld>
             <a:endParaRPr lang="ru-RU"/>
           </a:p>
@@ -1403,9 +1761,9 @@
           <a:bodyPr/>
           <a:lstStyle/>
           <a:p>
-            <a:fld id="{7D2A88EC-1431-4A6C-B11F-2CCE1F06DCB5}" type="datetimeFigureOut">
+            <a:fld id="{B457FF84-69EF-4FC3-84AC-18A5E3FD44ED}" type="datetime1">
               <a:rPr lang="ru-RU" smtClean="0"/>
-              <a:t>13.11.2023</a:t>
+              <a:t>15.11.2023</a:t>
             </a:fld>
             <a:endParaRPr lang="ru-RU"/>
           </a:p>
@@ -1815,9 +2173,9 @@
           <a:bodyPr/>
           <a:lstStyle/>
           <a:p>
-            <a:fld id="{7D2A88EC-1431-4A6C-B11F-2CCE1F06DCB5}" type="datetimeFigureOut">
+            <a:fld id="{7E34448D-BFA4-4309-AD76-A2BA8BA0F08A}" type="datetime1">
               <a:rPr lang="ru-RU" smtClean="0"/>
-              <a:t>13.11.2023</a:t>
+              <a:t>15.11.2023</a:t>
             </a:fld>
             <a:endParaRPr lang="ru-RU"/>
           </a:p>
@@ -1956,9 +2314,9 @@
           <a:bodyPr/>
           <a:lstStyle/>
           <a:p>
-            <a:fld id="{7D2A88EC-1431-4A6C-B11F-2CCE1F06DCB5}" type="datetimeFigureOut">
+            <a:fld id="{E7060A55-D6AB-4DB2-8F45-5CFC73B1D96E}" type="datetime1">
               <a:rPr lang="ru-RU" smtClean="0"/>
-              <a:t>13.11.2023</a:t>
+              <a:t>15.11.2023</a:t>
             </a:fld>
             <a:endParaRPr lang="ru-RU"/>
           </a:p>
@@ -2069,9 +2427,9 @@
           <a:bodyPr/>
           <a:lstStyle/>
           <a:p>
-            <a:fld id="{7D2A88EC-1431-4A6C-B11F-2CCE1F06DCB5}" type="datetimeFigureOut">
+            <a:fld id="{02241716-2815-4425-BEF2-D60CB7696ABA}" type="datetime1">
               <a:rPr lang="ru-RU" smtClean="0"/>
-              <a:t>13.11.2023</a:t>
+              <a:t>15.11.2023</a:t>
             </a:fld>
             <a:endParaRPr lang="ru-RU"/>
           </a:p>
@@ -2118,16 +2476,37 @@
             <p:ph type="sldNum" sz="quarter" idx="12"/>
           </p:nvPr>
         </p:nvSpPr>
-        <p:spPr/>
+        <p:spPr>
+          <a:xfrm>
+            <a:off x="8610599" y="6356350"/>
+            <a:ext cx="3401291" cy="365125"/>
+          </a:xfrm>
+        </p:spPr>
         <p:txBody>
           <a:bodyPr/>
-          <a:lstStyle/>
+          <a:lstStyle>
+            <a:lvl1pPr>
+              <a:defRPr sz="1800">
+                <a:solidFill>
+                  <a:schemeClr val="bg1"/>
+                </a:solidFill>
+                <a:effectLst>
+                  <a:glow rad="127000">
+                    <a:schemeClr val="accent5">
+                      <a:lumMod val="75000"/>
+                    </a:schemeClr>
+                  </a:glow>
+                </a:effectLst>
+              </a:defRPr>
+            </a:lvl1pPr>
+          </a:lstStyle>
           <a:p>
             <a:fld id="{0276BA82-E53D-44DC-AD87-BB48D6C3B142}" type="slidenum">
               <a:rPr lang="ru-RU" smtClean="0"/>
+              <a:pPr/>
               <a:t>‹#›</a:t>
             </a:fld>
-            <a:endParaRPr lang="ru-RU"/>
+            <a:endParaRPr lang="ru-RU" dirty="0"/>
           </a:p>
         </p:txBody>
       </p:sp>
@@ -2380,9 +2759,9 @@
           <a:bodyPr/>
           <a:lstStyle/>
           <a:p>
-            <a:fld id="{7D2A88EC-1431-4A6C-B11F-2CCE1F06DCB5}" type="datetimeFigureOut">
+            <a:fld id="{50215D87-2EE6-49C4-98E5-C9A75096E57F}" type="datetime1">
               <a:rPr lang="ru-RU" smtClean="0"/>
-              <a:t>13.11.2023</a:t>
+              <a:t>15.11.2023</a:t>
             </a:fld>
             <a:endParaRPr lang="ru-RU"/>
           </a:p>
@@ -2668,9 +3047,9 @@
           <a:bodyPr/>
           <a:lstStyle/>
           <a:p>
-            <a:fld id="{7D2A88EC-1431-4A6C-B11F-2CCE1F06DCB5}" type="datetimeFigureOut">
+            <a:fld id="{BDA1EBC1-6FDE-4F70-AF8E-2EB2C9AABE00}" type="datetime1">
               <a:rPr lang="ru-RU" smtClean="0"/>
-              <a:t>13.11.2023</a:t>
+              <a:t>15.11.2023</a:t>
             </a:fld>
             <a:endParaRPr lang="ru-RU"/>
           </a:p>
@@ -2909,9 +3288,9 @@
             </a:lvl1pPr>
           </a:lstStyle>
           <a:p>
-            <a:fld id="{7D2A88EC-1431-4A6C-B11F-2CCE1F06DCB5}" type="datetimeFigureOut">
+            <a:fld id="{21CE34D1-1651-41C0-93F8-3CABE02B630D}" type="datetime1">
               <a:rPr lang="ru-RU" smtClean="0"/>
-              <a:t>13.11.2023</a:t>
+              <a:t>15.11.2023</a:t>
             </a:fld>
             <a:endParaRPr lang="ru-RU"/>
           </a:p>
@@ -3028,6 +3407,7 @@
     <p:sldLayoutId id="2147483658" r:id="rId10"/>
     <p:sldLayoutId id="2147483659" r:id="rId11"/>
   </p:sldLayoutIdLst>
+  <p:hf hdr="0" ftr="0" dt="0"/>
   <p:txStyles>
     <p:titleStyle>
       <a:lvl1pPr algn="l" defTabSz="914400" rtl="0" eaLnBrk="1" latinLnBrk="0" hangingPunct="1">
@@ -3356,8 +3736,8 @@
         </p:blipFill>
         <p:spPr>
           <a:xfrm>
-            <a:off x="0" y="-356613"/>
-            <a:ext cx="14465300" cy="7214613"/>
+            <a:off x="0" y="-15328"/>
+            <a:ext cx="13781023" cy="6873328"/>
           </a:xfrm>
           <a:prstGeom prst="rect">
             <a:avLst/>
@@ -3382,26 +3762,300 @@
         </p:nvSpPr>
         <p:spPr>
           <a:xfrm>
-            <a:off x="2857500" y="0"/>
+            <a:off x="172357" y="304800"/>
             <a:ext cx="8750300" cy="1626108"/>
           </a:xfrm>
         </p:spPr>
         <p:txBody>
           <a:bodyPr>
-            <a:normAutofit/>
+            <a:noAutofit/>
           </a:bodyPr>
           <a:lstStyle/>
           <a:p>
             <a:r>
-              <a:rPr lang="en-US" sz="8800" dirty="0">
+              <a:rPr lang="ru-RU" sz="3200" dirty="0">
+                <a:effectLst>
+                  <a:glow rad="38100">
+                    <a:schemeClr val="bg1"/>
+                  </a:glow>
+                </a:effectLst>
                 <a:latin typeface="Segoe UI Black" panose="020B0A02040204020203" pitchFamily="34" charset="0"/>
                 <a:ea typeface="Segoe UI Black" panose="020B0A02040204020203" pitchFamily="34" charset="0"/>
               </a:rPr>
-              <a:t>Unity + Java</a:t>
-            </a:r>
-            <a:endParaRPr lang="ru-RU" sz="8800" dirty="0">
+              <a:t>Интеграция </a:t>
+            </a:r>
+            <a:r>
+              <a:rPr lang="en-US" sz="3200" dirty="0">
+                <a:effectLst>
+                  <a:glow rad="38100">
+                    <a:schemeClr val="bg1"/>
+                  </a:glow>
+                </a:effectLst>
+                <a:latin typeface="Segoe UI Black" panose="020B0A02040204020203" pitchFamily="34" charset="0"/>
+                <a:ea typeface="Segoe UI Black" panose="020B0A02040204020203" pitchFamily="34" charset="0"/>
+              </a:rPr>
+              <a:t>Java </a:t>
+            </a:r>
+            <a:r>
+              <a:rPr lang="ru-RU" sz="3200" dirty="0">
+                <a:effectLst>
+                  <a:glow rad="38100">
+                    <a:schemeClr val="bg1"/>
+                  </a:glow>
+                </a:effectLst>
+                <a:latin typeface="Segoe UI Black" panose="020B0A02040204020203" pitchFamily="34" charset="0"/>
+                <a:ea typeface="Segoe UI Black" panose="020B0A02040204020203" pitchFamily="34" charset="0"/>
+              </a:rPr>
+              <a:t>плагина в среду разработки </a:t>
+            </a:r>
+            <a:r>
+              <a:rPr lang="en-US" sz="3200" dirty="0">
+                <a:effectLst>
+                  <a:glow rad="38100">
+                    <a:schemeClr val="bg1"/>
+                  </a:glow>
+                </a:effectLst>
+                <a:latin typeface="Segoe UI Black" panose="020B0A02040204020203" pitchFamily="34" charset="0"/>
+                <a:ea typeface="Segoe UI Black" panose="020B0A02040204020203" pitchFamily="34" charset="0"/>
+              </a:rPr>
+              <a:t>Unity </a:t>
+            </a:r>
+            <a:r>
+              <a:rPr lang="ru-RU" sz="3200" dirty="0">
+                <a:effectLst>
+                  <a:glow rad="38100">
+                    <a:schemeClr val="bg1"/>
+                  </a:glow>
+                </a:effectLst>
+                <a:latin typeface="Segoe UI Black" panose="020B0A02040204020203" pitchFamily="34" charset="0"/>
+                <a:ea typeface="Segoe UI Black" panose="020B0A02040204020203" pitchFamily="34" charset="0"/>
+              </a:rPr>
+              <a:t>с помощью </a:t>
+            </a:r>
+            <a:r>
+              <a:rPr lang="en-US" sz="3200" dirty="0" err="1">
+                <a:effectLst>
+                  <a:glow rad="38100">
+                    <a:schemeClr val="bg1"/>
+                  </a:glow>
+                </a:effectLst>
+                <a:latin typeface="Segoe UI Black" panose="020B0A02040204020203" pitchFamily="34" charset="0"/>
+                <a:ea typeface="Segoe UI Black" panose="020B0A02040204020203" pitchFamily="34" charset="0"/>
+              </a:rPr>
+              <a:t>AndroidJavaObject</a:t>
+            </a:r>
+            <a:r>
+              <a:rPr lang="en-US" sz="3200" dirty="0">
+                <a:effectLst>
+                  <a:glow rad="38100">
+                    <a:schemeClr val="bg1"/>
+                  </a:glow>
+                </a:effectLst>
+                <a:latin typeface="Segoe UI Black" panose="020B0A02040204020203" pitchFamily="34" charset="0"/>
+                <a:ea typeface="Segoe UI Black" panose="020B0A02040204020203" pitchFamily="34" charset="0"/>
+              </a:rPr>
+              <a:t> </a:t>
+            </a:r>
+            <a:r>
+              <a:rPr lang="ru-RU" sz="3200" dirty="0">
+                <a:effectLst>
+                  <a:glow rad="38100">
+                    <a:schemeClr val="bg1"/>
+                  </a:glow>
+                </a:effectLst>
+                <a:latin typeface="Segoe UI Black" panose="020B0A02040204020203" pitchFamily="34" charset="0"/>
+                <a:ea typeface="Segoe UI Black" panose="020B0A02040204020203" pitchFamily="34" charset="0"/>
+              </a:rPr>
+              <a:t>и </a:t>
+            </a:r>
+            <a:r>
+              <a:rPr lang="en-US" sz="3200" dirty="0" err="1">
+                <a:effectLst>
+                  <a:glow rad="38100">
+                    <a:schemeClr val="bg1"/>
+                  </a:glow>
+                </a:effectLst>
+                <a:latin typeface="Segoe UI Black" panose="020B0A02040204020203" pitchFamily="34" charset="0"/>
+                <a:ea typeface="Segoe UI Black" panose="020B0A02040204020203" pitchFamily="34" charset="0"/>
+              </a:rPr>
+              <a:t>AndroidJavaClass</a:t>
+            </a:r>
+            <a:endParaRPr lang="ru-RU" sz="3200" dirty="0">
+              <a:effectLst>
+                <a:glow rad="38100">
+                  <a:schemeClr val="bg1"/>
+                </a:glow>
+              </a:effectLst>
               <a:latin typeface="Segoe UI Black" panose="020B0A02040204020203" pitchFamily="34" charset="0"/>
               <a:ea typeface="Segoe UI Black" panose="020B0A02040204020203" pitchFamily="34" charset="0"/>
+            </a:endParaRPr>
+          </a:p>
+        </p:txBody>
+      </p:sp>
+      <p:sp>
+        <p:nvSpPr>
+          <p:cNvPr id="3" name="Заголовок 1">
+            <a:extLst>
+              <a:ext uri="{FF2B5EF4-FFF2-40B4-BE49-F238E27FC236}">
+                <a16:creationId xmlns:a16="http://schemas.microsoft.com/office/drawing/2014/main" id="{29ECB4DC-69B1-6415-6DAA-557D6C3C8635}"/>
+              </a:ext>
+            </a:extLst>
+          </p:cNvPr>
+          <p:cNvSpPr txBox="1">
+            <a:spLocks/>
+          </p:cNvSpPr>
+          <p:nvPr/>
+        </p:nvSpPr>
+        <p:spPr>
+          <a:xfrm>
+            <a:off x="4547507" y="5188211"/>
+            <a:ext cx="6636657" cy="559308"/>
+          </a:xfrm>
+          <a:prstGeom prst="rect">
+            <a:avLst/>
+          </a:prstGeom>
+        </p:spPr>
+        <p:txBody>
+          <a:bodyPr vert="horz" lIns="91440" tIns="45720" rIns="91440" bIns="45720" rtlCol="0" anchor="b">
+            <a:noAutofit/>
+          </a:bodyPr>
+          <a:lstStyle>
+            <a:lvl1pPr algn="ctr" defTabSz="914400" rtl="0" eaLnBrk="1" latinLnBrk="0" hangingPunct="1">
+              <a:lnSpc>
+                <a:spcPct val="90000"/>
+              </a:lnSpc>
+              <a:spcBef>
+                <a:spcPct val="0"/>
+              </a:spcBef>
+              <a:buNone/>
+              <a:defRPr sz="6000" kern="1200">
+                <a:solidFill>
+                  <a:schemeClr val="tx1"/>
+                </a:solidFill>
+                <a:latin typeface="+mj-lt"/>
+                <a:ea typeface="+mj-ea"/>
+                <a:cs typeface="+mj-cs"/>
+              </a:defRPr>
+            </a:lvl1pPr>
+          </a:lstStyle>
+          <a:p>
+            <a:r>
+              <a:rPr lang="ru-RU" sz="3200" dirty="0">
+                <a:effectLst>
+                  <a:glow rad="63500">
+                    <a:schemeClr val="bg1"/>
+                  </a:glow>
+                </a:effectLst>
+                <a:latin typeface="Segoe UI Black" panose="020B0A02040204020203" pitchFamily="34" charset="0"/>
+                <a:ea typeface="Segoe UI Black" panose="020B0A02040204020203" pitchFamily="34" charset="0"/>
+              </a:rPr>
+              <a:t>Горбунов Никита Алексеевич</a:t>
+            </a:r>
+          </a:p>
+        </p:txBody>
+      </p:sp>
+      <p:sp>
+        <p:nvSpPr>
+          <p:cNvPr id="7" name="Номер слайда 6">
+            <a:extLst>
+              <a:ext uri="{FF2B5EF4-FFF2-40B4-BE49-F238E27FC236}">
+                <a16:creationId xmlns:a16="http://schemas.microsoft.com/office/drawing/2014/main" id="{94271E63-18F4-C38C-D6DE-2A8A8846A4EB}"/>
+              </a:ext>
+            </a:extLst>
+          </p:cNvPr>
+          <p:cNvSpPr>
+            <a:spLocks noGrp="1"/>
+          </p:cNvSpPr>
+          <p:nvPr>
+            <p:ph type="sldNum" sz="quarter" idx="12"/>
+          </p:nvPr>
+        </p:nvSpPr>
+        <p:spPr>
+          <a:xfrm>
+            <a:off x="9155388" y="6281911"/>
+            <a:ext cx="2743200" cy="365125"/>
+          </a:xfrm>
+        </p:spPr>
+        <p:txBody>
+          <a:bodyPr/>
+          <a:lstStyle/>
+          <a:p>
+            <a:pPr marL="0" marR="0" lvl="0" indent="0" algn="r" defTabSz="914400" rtl="0" eaLnBrk="1" fontAlgn="auto" latinLnBrk="0" hangingPunct="1">
+              <a:lnSpc>
+                <a:spcPct val="100000"/>
+              </a:lnSpc>
+              <a:spcBef>
+                <a:spcPts val="0"/>
+              </a:spcBef>
+              <a:spcAft>
+                <a:spcPts val="0"/>
+              </a:spcAft>
+              <a:buClrTx/>
+              <a:buSzTx/>
+              <a:buFontTx/>
+              <a:buNone/>
+              <a:tabLst/>
+              <a:defRPr/>
+            </a:pPr>
+            <a:fld id="{0276BA82-E53D-44DC-AD87-BB48D6C3B142}" type="slidenum">
+              <a:rPr kumimoji="0" lang="ru-RU" sz="1800" b="0" i="0" u="none" strike="noStrike" kern="1200" cap="none" spc="0" normalizeH="0" baseline="0" noProof="0" smtClean="0">
+                <a:ln>
+                  <a:noFill/>
+                </a:ln>
+                <a:solidFill>
+                  <a:prstClr val="white"/>
+                </a:solidFill>
+                <a:effectLst>
+                  <a:glow rad="127000">
+                    <a:srgbClr val="5B9BD5">
+                      <a:lumMod val="75000"/>
+                    </a:srgbClr>
+                  </a:glow>
+                </a:effectLst>
+                <a:uLnTx/>
+                <a:uFillTx/>
+                <a:latin typeface="Calibri" panose="020F0502020204030204"/>
+                <a:ea typeface="+mn-ea"/>
+                <a:cs typeface="+mn-cs"/>
+              </a:rPr>
+              <a:pPr marL="0" marR="0" lvl="0" indent="0" algn="r" defTabSz="914400" rtl="0" eaLnBrk="1" fontAlgn="auto" latinLnBrk="0" hangingPunct="1">
+                <a:lnSpc>
+                  <a:spcPct val="100000"/>
+                </a:lnSpc>
+                <a:spcBef>
+                  <a:spcPts val="0"/>
+                </a:spcBef>
+                <a:spcAft>
+                  <a:spcPts val="0"/>
+                </a:spcAft>
+                <a:buClrTx/>
+                <a:buSzTx/>
+                <a:buFontTx/>
+                <a:buNone/>
+                <a:tabLst/>
+                <a:defRPr/>
+              </a:pPr>
+              <a:t>1</a:t>
+            </a:fld>
+            <a:endParaRPr kumimoji="0" lang="ru-RU" sz="1800" b="0" i="0" u="none" strike="noStrike" kern="1200" cap="none" spc="0" normalizeH="0" baseline="0" noProof="0" dirty="0">
+              <a:ln>
+                <a:noFill/>
+              </a:ln>
+              <a:solidFill>
+                <a:prstClr val="white"/>
+              </a:solidFill>
+              <a:effectLst>
+                <a:glow rad="127000">
+                  <a:srgbClr val="5B9BD5">
+                    <a:lumMod val="75000"/>
+                  </a:srgbClr>
+                </a:glow>
+              </a:effectLst>
+              <a:uLnTx/>
+              <a:uFillTx/>
+              <a:latin typeface="Calibri" panose="020F0502020204030204"/>
+              <a:ea typeface="+mn-ea"/>
+              <a:cs typeface="+mn-cs"/>
             </a:endParaRPr>
           </a:p>
         </p:txBody>
@@ -3464,8 +4118,8 @@
         </p:blipFill>
         <p:spPr>
           <a:xfrm>
-            <a:off x="6527802" y="2624200"/>
-            <a:ext cx="3718785" cy="3718785"/>
+            <a:off x="9738345" y="4854307"/>
+            <a:ext cx="2003693" cy="2003693"/>
           </a:xfrm>
           <a:prstGeom prst="rect">
             <a:avLst/>
@@ -3500,8 +4154,8 @@
         </p:blipFill>
         <p:spPr>
           <a:xfrm>
-            <a:off x="8203214" y="4508992"/>
-            <a:ext cx="610586" cy="610586"/>
+            <a:off x="10575698" y="5856153"/>
+            <a:ext cx="328986" cy="328986"/>
           </a:xfrm>
           <a:prstGeom prst="rect">
             <a:avLst/>
@@ -3536,8 +4190,8 @@
         </p:blipFill>
         <p:spPr>
           <a:xfrm>
-            <a:off x="3948715" y="267619"/>
-            <a:ext cx="1556736" cy="1556736"/>
+            <a:off x="8334857" y="3582580"/>
+            <a:ext cx="838774" cy="838774"/>
           </a:xfrm>
           <a:prstGeom prst="rect">
             <a:avLst/>
@@ -3566,8 +4220,8 @@
         </p:blipFill>
         <p:spPr>
           <a:xfrm>
-            <a:off x="6985000" y="428427"/>
-            <a:ext cx="1060450" cy="1060450"/>
+            <a:off x="9936531" y="3299514"/>
+            <a:ext cx="571374" cy="571374"/>
           </a:xfrm>
           <a:prstGeom prst="rect">
             <a:avLst/>
@@ -3596,8 +4250,8 @@
         </p:blipFill>
         <p:spPr>
           <a:xfrm>
-            <a:off x="1935026" y="2047013"/>
-            <a:ext cx="1381987" cy="1381987"/>
+            <a:off x="7428497" y="5050971"/>
+            <a:ext cx="744619" cy="744619"/>
           </a:xfrm>
           <a:prstGeom prst="rect">
             <a:avLst/>
@@ -3626,8 +4280,8 @@
         </p:blipFill>
         <p:spPr>
           <a:xfrm>
-            <a:off x="10246587" y="1076620"/>
-            <a:ext cx="1381987" cy="1381987"/>
+            <a:off x="11303608" y="3126269"/>
+            <a:ext cx="744619" cy="744619"/>
           </a:xfrm>
           <a:prstGeom prst="rect">
             <a:avLst/>
@@ -3651,8 +4305,8 @@
         </p:nvCxnSpPr>
         <p:spPr>
           <a:xfrm flipH="1" flipV="1">
-            <a:off x="3317013" y="2738007"/>
-            <a:ext cx="2857930" cy="1547579"/>
+            <a:off x="8173116" y="5423281"/>
+            <a:ext cx="1304713" cy="372309"/>
           </a:xfrm>
           <a:prstGeom prst="straightConnector1">
             <a:avLst/>
@@ -3696,8 +4350,8 @@
         </p:nvCxnSpPr>
         <p:spPr>
           <a:xfrm flipH="1" flipV="1">
-            <a:off x="4727083" y="1824355"/>
-            <a:ext cx="1701567" cy="1845945"/>
+            <a:off x="8754244" y="4421354"/>
+            <a:ext cx="914388" cy="737775"/>
           </a:xfrm>
           <a:prstGeom prst="straightConnector1">
             <a:avLst/>
@@ -3735,14 +4389,13 @@
           </p:cNvPr>
           <p:cNvCxnSpPr>
             <a:cxnSpLocks/>
-            <a:endCxn id="9" idx="2"/>
           </p:cNvCxnSpPr>
           <p:nvPr/>
         </p:nvCxnSpPr>
         <p:spPr>
-          <a:xfrm flipV="1">
-            <a:off x="7110414" y="1488877"/>
-            <a:ext cx="404811" cy="1698823"/>
+          <a:xfrm flipH="1" flipV="1">
+            <a:off x="10328090" y="4122057"/>
+            <a:ext cx="179815" cy="928914"/>
           </a:xfrm>
           <a:prstGeom prst="straightConnector1">
             <a:avLst/>
@@ -3780,14 +4433,13 @@
           </p:cNvPr>
           <p:cNvCxnSpPr>
             <a:cxnSpLocks/>
-            <a:endCxn id="13" idx="1"/>
           </p:cNvCxnSpPr>
           <p:nvPr/>
         </p:nvCxnSpPr>
         <p:spPr>
           <a:xfrm flipV="1">
-            <a:off x="7937872" y="1767614"/>
-            <a:ext cx="2308715" cy="1517971"/>
+            <a:off x="11132457" y="4122057"/>
+            <a:ext cx="333829" cy="1037072"/>
           </a:xfrm>
           <a:prstGeom prst="straightConnector1">
             <a:avLst/>
@@ -3828,8 +4480,8 @@
         </p:nvSpPr>
         <p:spPr>
           <a:xfrm>
-            <a:off x="0" y="4285586"/>
-            <a:ext cx="5473699" cy="2572414"/>
+            <a:off x="0" y="290286"/>
+            <a:ext cx="6665597" cy="6567714"/>
           </a:xfrm>
           <a:prstGeom prst="round2SameRect">
             <a:avLst/>
@@ -3855,7 +4507,6 @@
           <a:bodyPr rtlCol="0" anchor="ctr"/>
           <a:lstStyle/>
           <a:p>
-            <a:pPr algn="ctr"/>
             <a:r>
               <a:rPr lang="ru-RU" sz="2000" dirty="0">
                 <a:effectLst>
@@ -3871,42 +4522,38 @@
                 <a:latin typeface="Segoe UI Black" panose="020B0A02040204020203" pitchFamily="34" charset="0"/>
                 <a:ea typeface="Segoe UI Black" panose="020B0A02040204020203" pitchFamily="34" charset="0"/>
               </a:rPr>
-              <a:t>создание/удаление/запись файлов, запрос на разрешения приложения, геолокация, интернет-запросы</a:t>
-            </a:r>
-            <a:r>
-              <a:rPr lang="en-US" sz="2000" dirty="0">
-                <a:effectLst>
-                  <a:glow rad="63500">
-                    <a:schemeClr val="tx1">
-                      <a:alpha val="40000"/>
-                    </a:schemeClr>
-                  </a:glow>
-                  <a:outerShdw sx="1000" sy="1000" algn="ctr" rotWithShape="0">
-                    <a:schemeClr val="tx1"/>
-                  </a:outerShdw>
-                </a:effectLst>
-                <a:latin typeface="Segoe UI Black" panose="020B0A02040204020203" pitchFamily="34" charset="0"/>
-                <a:ea typeface="Segoe UI Black" panose="020B0A02040204020203" pitchFamily="34" charset="0"/>
-              </a:rPr>
-              <a:t> – </a:t>
-            </a:r>
-            <a:r>
-              <a:rPr lang="ru-RU" sz="2000" dirty="0">
-                <a:effectLst>
-                  <a:glow rad="63500">
-                    <a:schemeClr val="tx1">
-                      <a:alpha val="40000"/>
-                    </a:schemeClr>
-                  </a:glow>
-                  <a:outerShdw sx="1000" sy="1000" algn="ctr" rotWithShape="0">
-                    <a:schemeClr val="tx1"/>
-                  </a:outerShdw>
-                </a:effectLst>
-                <a:latin typeface="Segoe UI Black" panose="020B0A02040204020203" pitchFamily="34" charset="0"/>
-                <a:ea typeface="Segoe UI Black" panose="020B0A02040204020203" pitchFamily="34" charset="0"/>
-              </a:rPr>
-              <a:t>уже реализованы в движке</a:t>
-            </a:r>
+              <a:t>Большинство основных системных вызовов уже реализованы «под капотом» игрового движка, например: создание/удаление/запись файлов, запрос на разрешения приложения, геолокация, интернет-запросы, и так далее. Для написания простого приложения, которое должно будет сохранять что-либо или отправлять запросы на сервер, встроенного инструментария хватит.</a:t>
+            </a:r>
+          </a:p>
+        </p:txBody>
+      </p:sp>
+      <p:sp>
+        <p:nvSpPr>
+          <p:cNvPr id="6" name="Номер слайда 5">
+            <a:extLst>
+              <a:ext uri="{FF2B5EF4-FFF2-40B4-BE49-F238E27FC236}">
+                <a16:creationId xmlns:a16="http://schemas.microsoft.com/office/drawing/2014/main" id="{824592DF-0280-A5BF-4ECF-0D3EAE5AFEFA}"/>
+              </a:ext>
+            </a:extLst>
+          </p:cNvPr>
+          <p:cNvSpPr>
+            <a:spLocks noGrp="1"/>
+          </p:cNvSpPr>
+          <p:nvPr>
+            <p:ph type="sldNum" sz="quarter" idx="12"/>
+          </p:nvPr>
+        </p:nvSpPr>
+        <p:spPr/>
+        <p:txBody>
+          <a:bodyPr/>
+          <a:lstStyle/>
+          <a:p>
+            <a:fld id="{0276BA82-E53D-44DC-AD87-BB48D6C3B142}" type="slidenum">
+              <a:rPr lang="ru-RU" smtClean="0"/>
+              <a:pPr/>
+              <a:t>2</a:t>
+            </a:fld>
+            <a:endParaRPr lang="ru-RU" dirty="0"/>
           </a:p>
         </p:txBody>
       </p:sp>
@@ -4143,21 +4790,7 @@
           <a:bodyPr rtlCol="0" anchor="ctr"/>
           <a:lstStyle/>
           <a:p>
-            <a:pPr algn="ctr"/>
-            <a:r>
-              <a:rPr lang="en-US" sz="2000" dirty="0">
-                <a:effectLst>
-                  <a:glow rad="63500">
-                    <a:schemeClr val="tx1">
-                      <a:alpha val="40000"/>
-                    </a:schemeClr>
-                  </a:glow>
-                </a:effectLst>
-                <a:latin typeface="Segoe UI Black" panose="020B0A02040204020203" pitchFamily="34" charset="0"/>
-                <a:ea typeface="Segoe UI Black" panose="020B0A02040204020203" pitchFamily="34" charset="0"/>
-              </a:rPr>
-              <a:t>Unity </a:t>
-            </a:r>
+            <a:pPr algn="r"/>
             <a:r>
               <a:rPr lang="ru-RU" sz="2000" dirty="0">
                 <a:effectLst>
@@ -4170,10 +4803,10 @@
                 <a:latin typeface="Segoe UI Black" panose="020B0A02040204020203" pitchFamily="34" charset="0"/>
                 <a:ea typeface="Segoe UI Black" panose="020B0A02040204020203" pitchFamily="34" charset="0"/>
               </a:rPr>
-              <a:t>не предоставляет весь инструментарий взаимодействия с операционной системой </a:t>
-            </a:r>
-            <a:r>
-              <a:rPr lang="en-US" sz="2000" dirty="0">
+              <a:t>Если приложение должно работать с Bluetooth устройствами, сервисами, ИК-портом (если присутствует в телефоне), то встроенных методов </a:t>
+            </a:r>
+            <a:r>
+              <a:rPr lang="ru-RU" sz="2000" dirty="0" err="1">
                 <a:effectLst>
                   <a:glow rad="63500">
                     <a:schemeClr val="tx1">
@@ -4184,7 +4817,7 @@
                 <a:latin typeface="Segoe UI Black" panose="020B0A02040204020203" pitchFamily="34" charset="0"/>
                 <a:ea typeface="Segoe UI Black" panose="020B0A02040204020203" pitchFamily="34" charset="0"/>
               </a:rPr>
-              <a:t>Android</a:t>
+              <a:t>Unity</a:t>
             </a:r>
             <a:r>
               <a:rPr lang="ru-RU" sz="2000" dirty="0">
@@ -4198,8 +4831,38 @@
                 <a:latin typeface="Segoe UI Black" panose="020B0A02040204020203" pitchFamily="34" charset="0"/>
                 <a:ea typeface="Segoe UI Black" panose="020B0A02040204020203" pitchFamily="34" charset="0"/>
               </a:rPr>
-              <a:t>, так как большинство функций не используется в играх.</a:t>
-            </a:r>
+              <a:t> недостаточно. Разработчики движка спрогнозировали нехватку функционала и дали возможность интеграции Java в приложение.</a:t>
+            </a:r>
+          </a:p>
+        </p:txBody>
+      </p:sp>
+      <p:sp>
+        <p:nvSpPr>
+          <p:cNvPr id="7" name="Номер слайда 6">
+            <a:extLst>
+              <a:ext uri="{FF2B5EF4-FFF2-40B4-BE49-F238E27FC236}">
+                <a16:creationId xmlns:a16="http://schemas.microsoft.com/office/drawing/2014/main" id="{2C411A53-37B6-6869-5B9F-F88FB7A4B73E}"/>
+              </a:ext>
+            </a:extLst>
+          </p:cNvPr>
+          <p:cNvSpPr>
+            <a:spLocks noGrp="1"/>
+          </p:cNvSpPr>
+          <p:nvPr>
+            <p:ph type="sldNum" sz="quarter" idx="12"/>
+          </p:nvPr>
+        </p:nvSpPr>
+        <p:spPr/>
+        <p:txBody>
+          <a:bodyPr/>
+          <a:lstStyle/>
+          <a:p>
+            <a:fld id="{0276BA82-E53D-44DC-AD87-BB48D6C3B142}" type="slidenum">
+              <a:rPr lang="ru-RU" smtClean="0"/>
+              <a:pPr/>
+              <a:t>3</a:t>
+            </a:fld>
+            <a:endParaRPr lang="ru-RU" dirty="0"/>
           </a:p>
         </p:txBody>
       </p:sp>
@@ -4247,8 +4910,8 @@
         </p:nvSpPr>
         <p:spPr>
           <a:xfrm>
-            <a:off x="464457" y="362857"/>
-            <a:ext cx="6937829" cy="1364343"/>
+            <a:off x="8977085" y="2425132"/>
+            <a:ext cx="2881085" cy="566573"/>
           </a:xfrm>
           <a:prstGeom prst="roundRect">
             <a:avLst/>
@@ -4276,13 +4939,13 @@
           <a:p>
             <a:pPr algn="ctr"/>
             <a:r>
-              <a:rPr lang="en-US" sz="4800" dirty="0" err="1">
+              <a:rPr lang="en-US" sz="2000" dirty="0" err="1">
                 <a:latin typeface="Cascadia Code SemiBold" panose="020B0609020000020004" pitchFamily="49" charset="0"/>
                 <a:cs typeface="Cascadia Code SemiBold" panose="020B0609020000020004" pitchFamily="49" charset="0"/>
               </a:rPr>
               <a:t>AndroidJavaObject</a:t>
             </a:r>
-            <a:endParaRPr lang="ru-RU" sz="4800" dirty="0">
+            <a:endParaRPr lang="ru-RU" sz="2000" dirty="0">
               <a:latin typeface="Cascadia Code SemiBold" panose="020B0609020000020004" pitchFamily="49" charset="0"/>
               <a:cs typeface="Cascadia Code SemiBold" panose="020B0609020000020004" pitchFamily="49" charset="0"/>
             </a:endParaRPr>
@@ -4317,8 +4980,8 @@
         </p:blipFill>
         <p:spPr>
           <a:xfrm>
-            <a:off x="1476828" y="3429000"/>
-            <a:ext cx="3098800" cy="3098800"/>
+            <a:off x="8777514" y="4602842"/>
+            <a:ext cx="2041072" cy="2041072"/>
           </a:xfrm>
           <a:prstGeom prst="rect">
             <a:avLst/>
@@ -4353,8 +5016,8 @@
         </p:blipFill>
         <p:spPr>
           <a:xfrm>
-            <a:off x="2534556" y="4486728"/>
-            <a:ext cx="983343" cy="983343"/>
+            <a:off x="9495065" y="5392056"/>
+            <a:ext cx="548822" cy="548822"/>
           </a:xfrm>
           <a:prstGeom prst="rect">
             <a:avLst/>
@@ -4375,8 +5038,8 @@
         </p:nvSpPr>
         <p:spPr>
           <a:xfrm>
-            <a:off x="4956628" y="2064657"/>
-            <a:ext cx="6937829" cy="1364343"/>
+            <a:off x="8977086" y="3333233"/>
+            <a:ext cx="2881086" cy="566573"/>
           </a:xfrm>
           <a:prstGeom prst="roundRect">
             <a:avLst/>
@@ -4404,7 +5067,7 @@
           <a:p>
             <a:pPr algn="ctr"/>
             <a:r>
-              <a:rPr lang="en-US" sz="4800" dirty="0" err="1">
+              <a:rPr lang="en-US" sz="2000" dirty="0" err="1">
                 <a:latin typeface="Cascadia Code SemiBold" panose="020B0609020000020004" pitchFamily="49" charset="0"/>
                 <a:cs typeface="Cascadia Code SemiBold" panose="020B0609020000020004" pitchFamily="49" charset="0"/>
               </a:rPr>
@@ -4414,6 +5077,365 @@
               <a:latin typeface="Cascadia Code SemiBold" panose="020B0609020000020004" pitchFamily="49" charset="0"/>
               <a:cs typeface="Cascadia Code SemiBold" panose="020B0609020000020004" pitchFamily="49" charset="0"/>
             </a:endParaRPr>
+          </a:p>
+        </p:txBody>
+      </p:sp>
+      <p:sp>
+        <p:nvSpPr>
+          <p:cNvPr id="2" name="Прямоугольник: один усеченный угол 1">
+            <a:extLst>
+              <a:ext uri="{FF2B5EF4-FFF2-40B4-BE49-F238E27FC236}">
+                <a16:creationId xmlns:a16="http://schemas.microsoft.com/office/drawing/2014/main" id="{940618EF-52E2-D7D8-B9EB-00486BD75A0C}"/>
+              </a:ext>
+            </a:extLst>
+          </p:cNvPr>
+          <p:cNvSpPr/>
+          <p:nvPr/>
+        </p:nvSpPr>
+        <p:spPr>
+          <a:xfrm>
+            <a:off x="0" y="0"/>
+            <a:ext cx="7881257" cy="6858000"/>
+          </a:xfrm>
+          <a:prstGeom prst="snip1Rect">
+            <a:avLst/>
+          </a:prstGeom>
+        </p:spPr>
+        <p:style>
+          <a:lnRef idx="2">
+            <a:schemeClr val="accent1">
+              <a:shade val="15000"/>
+            </a:schemeClr>
+          </a:lnRef>
+          <a:fillRef idx="1">
+            <a:schemeClr val="accent1"/>
+          </a:fillRef>
+          <a:effectRef idx="0">
+            <a:schemeClr val="accent1"/>
+          </a:effectRef>
+          <a:fontRef idx="minor">
+            <a:schemeClr val="lt1"/>
+          </a:fontRef>
+        </p:style>
+        <p:txBody>
+          <a:bodyPr rtlCol="0" anchor="ctr"/>
+          <a:lstStyle/>
+          <a:p>
+            <a:r>
+              <a:rPr lang="ru-RU" sz="1800" dirty="0">
+                <a:effectLst>
+                  <a:glow rad="63500">
+                    <a:schemeClr val="tx1">
+                      <a:alpha val="40000"/>
+                    </a:schemeClr>
+                  </a:glow>
+                </a:effectLst>
+                <a:latin typeface="Segoe UI Black" panose="020B0A02040204020203" pitchFamily="34" charset="0"/>
+                <a:ea typeface="Segoe UI Black" panose="020B0A02040204020203" pitchFamily="34" charset="0"/>
+              </a:rPr>
+              <a:t>Код, написанный на Java, можно импортировать только в уже скомпилированном файле с расширением AAR или JAR, а взаимодействие с плагинами будет осуществляться через классы «</a:t>
+            </a:r>
+            <a:r>
+              <a:rPr lang="ru-RU" sz="1800" dirty="0" err="1">
+                <a:effectLst>
+                  <a:glow rad="63500">
+                    <a:schemeClr val="tx1">
+                      <a:alpha val="40000"/>
+                    </a:schemeClr>
+                  </a:glow>
+                </a:effectLst>
+                <a:latin typeface="Segoe UI Black" panose="020B0A02040204020203" pitchFamily="34" charset="0"/>
+                <a:ea typeface="Segoe UI Black" panose="020B0A02040204020203" pitchFamily="34" charset="0"/>
+              </a:rPr>
+              <a:t>AndroidJavaClass</a:t>
+            </a:r>
+            <a:r>
+              <a:rPr lang="ru-RU" sz="1800" dirty="0">
+                <a:effectLst>
+                  <a:glow rad="63500">
+                    <a:schemeClr val="tx1">
+                      <a:alpha val="40000"/>
+                    </a:schemeClr>
+                  </a:glow>
+                </a:effectLst>
+                <a:latin typeface="Segoe UI Black" panose="020B0A02040204020203" pitchFamily="34" charset="0"/>
+                <a:ea typeface="Segoe UI Black" panose="020B0A02040204020203" pitchFamily="34" charset="0"/>
+              </a:rPr>
+              <a:t>» и «</a:t>
+            </a:r>
+            <a:r>
+              <a:rPr lang="ru-RU" sz="1800" dirty="0" err="1">
+                <a:effectLst>
+                  <a:glow rad="63500">
+                    <a:schemeClr val="tx1">
+                      <a:alpha val="40000"/>
+                    </a:schemeClr>
+                  </a:glow>
+                </a:effectLst>
+                <a:latin typeface="Segoe UI Black" panose="020B0A02040204020203" pitchFamily="34" charset="0"/>
+                <a:ea typeface="Segoe UI Black" panose="020B0A02040204020203" pitchFamily="34" charset="0"/>
+              </a:rPr>
+              <a:t>AndroidJavaObject</a:t>
+            </a:r>
+            <a:r>
+              <a:rPr lang="ru-RU" sz="1800" dirty="0">
+                <a:effectLst>
+                  <a:glow rad="63500">
+                    <a:schemeClr val="tx1">
+                      <a:alpha val="40000"/>
+                    </a:schemeClr>
+                  </a:glow>
+                </a:effectLst>
+                <a:latin typeface="Segoe UI Black" panose="020B0A02040204020203" pitchFamily="34" charset="0"/>
+                <a:ea typeface="Segoe UI Black" panose="020B0A02040204020203" pitchFamily="34" charset="0"/>
+              </a:rPr>
+              <a:t>». «</a:t>
+            </a:r>
+            <a:r>
+              <a:rPr lang="ru-RU" sz="1800" dirty="0" err="1">
+                <a:effectLst>
+                  <a:glow rad="63500">
+                    <a:schemeClr val="tx1">
+                      <a:alpha val="40000"/>
+                    </a:schemeClr>
+                  </a:glow>
+                </a:effectLst>
+                <a:latin typeface="Segoe UI Black" panose="020B0A02040204020203" pitchFamily="34" charset="0"/>
+                <a:ea typeface="Segoe UI Black" panose="020B0A02040204020203" pitchFamily="34" charset="0"/>
+              </a:rPr>
+              <a:t>AndroidJavaClass</a:t>
+            </a:r>
+            <a:r>
+              <a:rPr lang="ru-RU" sz="1800" dirty="0">
+                <a:effectLst>
+                  <a:glow rad="63500">
+                    <a:schemeClr val="tx1">
+                      <a:alpha val="40000"/>
+                    </a:schemeClr>
+                  </a:glow>
+                </a:effectLst>
+                <a:latin typeface="Segoe UI Black" panose="020B0A02040204020203" pitchFamily="34" charset="0"/>
+                <a:ea typeface="Segoe UI Black" panose="020B0A02040204020203" pitchFamily="34" charset="0"/>
+              </a:rPr>
+              <a:t>» — это представление </a:t>
+            </a:r>
+            <a:r>
+              <a:rPr lang="ru-RU" sz="1800" dirty="0" err="1">
+                <a:effectLst>
+                  <a:glow rad="63500">
+                    <a:schemeClr val="tx1">
+                      <a:alpha val="40000"/>
+                    </a:schemeClr>
+                  </a:glow>
+                </a:effectLst>
+                <a:latin typeface="Segoe UI Black" panose="020B0A02040204020203" pitchFamily="34" charset="0"/>
+                <a:ea typeface="Segoe UI Black" panose="020B0A02040204020203" pitchFamily="34" charset="0"/>
+              </a:rPr>
+              <a:t>Unity</a:t>
+            </a:r>
+            <a:r>
+              <a:rPr lang="ru-RU" sz="1800" dirty="0">
+                <a:effectLst>
+                  <a:glow rad="63500">
+                    <a:schemeClr val="tx1">
+                      <a:alpha val="40000"/>
+                    </a:schemeClr>
+                  </a:glow>
+                </a:effectLst>
+                <a:latin typeface="Segoe UI Black" panose="020B0A02040204020203" pitchFamily="34" charset="0"/>
+                <a:ea typeface="Segoe UI Black" panose="020B0A02040204020203" pitchFamily="34" charset="0"/>
+              </a:rPr>
+              <a:t> универсального экземпляра «</a:t>
+            </a:r>
+            <a:r>
+              <a:rPr lang="ru-RU" sz="1800" dirty="0" err="1">
+                <a:effectLst>
+                  <a:glow rad="63500">
+                    <a:schemeClr val="tx1">
+                      <a:alpha val="40000"/>
+                    </a:schemeClr>
+                  </a:glow>
+                </a:effectLst>
+                <a:latin typeface="Segoe UI Black" panose="020B0A02040204020203" pitchFamily="34" charset="0"/>
+                <a:ea typeface="Segoe UI Black" panose="020B0A02040204020203" pitchFamily="34" charset="0"/>
+              </a:rPr>
+              <a:t>java.lang.Class</a:t>
+            </a:r>
+            <a:r>
+              <a:rPr lang="ru-RU" sz="1800" dirty="0">
+                <a:effectLst>
+                  <a:glow rad="63500">
+                    <a:schemeClr val="tx1">
+                      <a:alpha val="40000"/>
+                    </a:schemeClr>
+                  </a:glow>
+                </a:effectLst>
+                <a:latin typeface="Segoe UI Black" panose="020B0A02040204020203" pitchFamily="34" charset="0"/>
+                <a:ea typeface="Segoe UI Black" panose="020B0A02040204020203" pitchFamily="34" charset="0"/>
+              </a:rPr>
+              <a:t>» [1], а «</a:t>
+            </a:r>
+            <a:r>
+              <a:rPr lang="ru-RU" sz="1800" dirty="0" err="1">
+                <a:effectLst>
+                  <a:glow rad="63500">
+                    <a:schemeClr val="tx1">
+                      <a:alpha val="40000"/>
+                    </a:schemeClr>
+                  </a:glow>
+                </a:effectLst>
+                <a:latin typeface="Segoe UI Black" panose="020B0A02040204020203" pitchFamily="34" charset="0"/>
+                <a:ea typeface="Segoe UI Black" panose="020B0A02040204020203" pitchFamily="34" charset="0"/>
+              </a:rPr>
+              <a:t>AndroidJavaObject</a:t>
+            </a:r>
+            <a:r>
+              <a:rPr lang="ru-RU" sz="1800" dirty="0">
+                <a:effectLst>
+                  <a:glow rad="63500">
+                    <a:schemeClr val="tx1">
+                      <a:alpha val="40000"/>
+                    </a:schemeClr>
+                  </a:glow>
+                </a:effectLst>
+                <a:latin typeface="Segoe UI Black" panose="020B0A02040204020203" pitchFamily="34" charset="0"/>
+                <a:ea typeface="Segoe UI Black" panose="020B0A02040204020203" pitchFamily="34" charset="0"/>
+              </a:rPr>
+              <a:t>» – «</a:t>
+            </a:r>
+            <a:r>
+              <a:rPr lang="ru-RU" sz="1800" dirty="0" err="1">
+                <a:effectLst>
+                  <a:glow rad="63500">
+                    <a:schemeClr val="tx1">
+                      <a:alpha val="40000"/>
+                    </a:schemeClr>
+                  </a:glow>
+                </a:effectLst>
+                <a:latin typeface="Segoe UI Black" panose="020B0A02040204020203" pitchFamily="34" charset="0"/>
+                <a:ea typeface="Segoe UI Black" panose="020B0A02040204020203" pitchFamily="34" charset="0"/>
+              </a:rPr>
+              <a:t>java.lang.Object</a:t>
+            </a:r>
+            <a:r>
+              <a:rPr lang="ru-RU" sz="1800" dirty="0">
+                <a:effectLst>
+                  <a:glow rad="63500">
+                    <a:schemeClr val="tx1">
+                      <a:alpha val="40000"/>
+                    </a:schemeClr>
+                  </a:glow>
+                </a:effectLst>
+                <a:latin typeface="Segoe UI Black" panose="020B0A02040204020203" pitchFamily="34" charset="0"/>
+                <a:ea typeface="Segoe UI Black" panose="020B0A02040204020203" pitchFamily="34" charset="0"/>
+              </a:rPr>
+              <a:t>». Его можно использовать как </a:t>
+            </a:r>
+            <a:r>
+              <a:rPr lang="ru-RU" sz="1800" dirty="0" err="1">
+                <a:effectLst>
+                  <a:glow rad="63500">
+                    <a:schemeClr val="tx1">
+                      <a:alpha val="40000"/>
+                    </a:schemeClr>
+                  </a:glow>
+                </a:effectLst>
+                <a:latin typeface="Segoe UI Black" panose="020B0A02040204020203" pitchFamily="34" charset="0"/>
+                <a:ea typeface="Segoe UI Black" panose="020B0A02040204020203" pitchFamily="34" charset="0"/>
+              </a:rPr>
+              <a:t>бестиповый</a:t>
+            </a:r>
+            <a:r>
+              <a:rPr lang="ru-RU" sz="1800" dirty="0">
+                <a:effectLst>
+                  <a:glow rad="63500">
+                    <a:schemeClr val="tx1">
+                      <a:alpha val="40000"/>
+                    </a:schemeClr>
+                  </a:glow>
+                </a:effectLst>
+                <a:latin typeface="Segoe UI Black" panose="020B0A02040204020203" pitchFamily="34" charset="0"/>
+                <a:ea typeface="Segoe UI Black" panose="020B0A02040204020203" pitchFamily="34" charset="0"/>
+              </a:rPr>
+              <a:t> интерфейс для экземпляра любого класса Java внутри C# скрипта. </a:t>
+            </a:r>
+          </a:p>
+          <a:p>
+            <a:r>
+              <a:rPr lang="ru-RU" sz="1800" dirty="0">
+                <a:effectLst>
+                  <a:glow rad="63500">
+                    <a:schemeClr val="tx1">
+                      <a:alpha val="40000"/>
+                    </a:schemeClr>
+                  </a:glow>
+                </a:effectLst>
+                <a:latin typeface="Segoe UI Black" panose="020B0A02040204020203" pitchFamily="34" charset="0"/>
+                <a:ea typeface="Segoe UI Black" panose="020B0A02040204020203" pitchFamily="34" charset="0"/>
+              </a:rPr>
+              <a:t>При написании кода на языке Java открывается максимальный спектр возможностей взаимодействия с операционной системой </a:t>
+            </a:r>
+            <a:r>
+              <a:rPr lang="ru-RU" sz="1800" dirty="0" err="1">
+                <a:effectLst>
+                  <a:glow rad="63500">
+                    <a:schemeClr val="tx1">
+                      <a:alpha val="40000"/>
+                    </a:schemeClr>
+                  </a:glow>
+                </a:effectLst>
+                <a:latin typeface="Segoe UI Black" panose="020B0A02040204020203" pitchFamily="34" charset="0"/>
+                <a:ea typeface="Segoe UI Black" panose="020B0A02040204020203" pitchFamily="34" charset="0"/>
+              </a:rPr>
+              <a:t>Android</a:t>
+            </a:r>
+            <a:r>
+              <a:rPr lang="ru-RU" sz="1800" dirty="0">
+                <a:effectLst>
+                  <a:glow rad="63500">
+                    <a:schemeClr val="tx1">
+                      <a:alpha val="40000"/>
+                    </a:schemeClr>
+                  </a:glow>
+                </a:effectLst>
+                <a:latin typeface="Segoe UI Black" panose="020B0A02040204020203" pitchFamily="34" charset="0"/>
+                <a:ea typeface="Segoe UI Black" panose="020B0A02040204020203" pitchFamily="34" charset="0"/>
+              </a:rPr>
+              <a:t>. Но нужно придерживаться определенных правил, если написанный код, используется через собранную библиотеку, к которой идёт обращение из основного приложения.</a:t>
+            </a:r>
+          </a:p>
+          <a:p>
+            <a:endParaRPr lang="ru-RU" dirty="0"/>
+          </a:p>
+        </p:txBody>
+      </p:sp>
+      <p:sp>
+        <p:nvSpPr>
+          <p:cNvPr id="9" name="Номер слайда 8">
+            <a:extLst>
+              <a:ext uri="{FF2B5EF4-FFF2-40B4-BE49-F238E27FC236}">
+                <a16:creationId xmlns:a16="http://schemas.microsoft.com/office/drawing/2014/main" id="{8E7A741D-7DD2-10E3-837E-1FB8B47DD346}"/>
+              </a:ext>
+            </a:extLst>
+          </p:cNvPr>
+          <p:cNvSpPr>
+            <a:spLocks noGrp="1"/>
+          </p:cNvSpPr>
+          <p:nvPr>
+            <p:ph type="sldNum" sz="quarter" idx="12"/>
+          </p:nvPr>
+        </p:nvSpPr>
+        <p:spPr/>
+        <p:txBody>
+          <a:bodyPr/>
+          <a:lstStyle/>
+          <a:p>
+            <a:fld id="{0276BA82-E53D-44DC-AD87-BB48D6C3B142}" type="slidenum">
+              <a:rPr lang="ru-RU" smtClean="0"/>
+              <a:pPr/>
+              <a:t>4</a:t>
+            </a:fld>
+            <a:endParaRPr lang="ru-RU" dirty="0"/>
           </a:p>
         </p:txBody>
       </p:sp>
@@ -4590,117 +5612,86 @@
               <a:buSzPts val="1400"/>
             </a:pPr>
             <a:r>
-              <a:rPr lang="en-US" sz="1800" kern="100" dirty="0">
-                <a:solidFill>
-                  <a:schemeClr val="bg1">
-                    <a:lumMod val="95000"/>
-                  </a:schemeClr>
-                </a:solidFill>
-                <a:effectLst/>
+              <a:rPr lang="ru-RU" sz="1800" dirty="0">
+                <a:effectLst>
+                  <a:glow rad="63500">
+                    <a:schemeClr val="tx1">
+                      <a:alpha val="40000"/>
+                    </a:schemeClr>
+                  </a:glow>
+                </a:effectLst>
                 <a:latin typeface="Segoe UI Black" panose="020B0A02040204020203" pitchFamily="34" charset="0"/>
                 <a:ea typeface="Segoe UI Black" panose="020B0A02040204020203" pitchFamily="34" charset="0"/>
-                <a:cs typeface="Times New Roman" panose="02020603050405020304" pitchFamily="18" charset="0"/>
-              </a:rPr>
-              <a:t>JAR </a:t>
-            </a:r>
-            <a:r>
-              <a:rPr lang="ru-RU" sz="1800" kern="100" dirty="0">
-                <a:solidFill>
-                  <a:schemeClr val="bg1">
-                    <a:lumMod val="95000"/>
-                  </a:schemeClr>
-                </a:solidFill>
-                <a:effectLst/>
+              </a:rPr>
+              <a:t>JAR – Java </a:t>
+            </a:r>
+            <a:r>
+              <a:rPr lang="ru-RU" sz="1800" dirty="0" err="1">
+                <a:effectLst>
+                  <a:glow rad="63500">
+                    <a:schemeClr val="tx1">
+                      <a:alpha val="40000"/>
+                    </a:schemeClr>
+                  </a:glow>
+                </a:effectLst>
                 <a:latin typeface="Segoe UI Black" panose="020B0A02040204020203" pitchFamily="34" charset="0"/>
                 <a:ea typeface="Segoe UI Black" panose="020B0A02040204020203" pitchFamily="34" charset="0"/>
-                <a:cs typeface="Times New Roman" panose="02020603050405020304" pitchFamily="18" charset="0"/>
-              </a:rPr>
-              <a:t>– Java </a:t>
-            </a:r>
-            <a:r>
-              <a:rPr lang="en-US" sz="1800" kern="100" dirty="0">
-                <a:solidFill>
-                  <a:schemeClr val="bg1">
-                    <a:lumMod val="95000"/>
-                  </a:schemeClr>
-                </a:solidFill>
-                <a:effectLst/>
+              </a:rPr>
+              <a:t>Archive</a:t>
+            </a:r>
+            <a:r>
+              <a:rPr lang="ru-RU" sz="1800" dirty="0">
+                <a:effectLst>
+                  <a:glow rad="63500">
+                    <a:schemeClr val="tx1">
+                      <a:alpha val="40000"/>
+                    </a:schemeClr>
+                  </a:glow>
+                </a:effectLst>
                 <a:latin typeface="Segoe UI Black" panose="020B0A02040204020203" pitchFamily="34" charset="0"/>
                 <a:ea typeface="Segoe UI Black" panose="020B0A02040204020203" pitchFamily="34" charset="0"/>
-                <a:cs typeface="Times New Roman" panose="02020603050405020304" pitchFamily="18" charset="0"/>
-              </a:rPr>
-              <a:t>Archive</a:t>
-            </a:r>
-            <a:r>
-              <a:rPr lang="ru-RU" sz="1800" kern="100" dirty="0">
-                <a:solidFill>
-                  <a:schemeClr val="bg1">
-                    <a:lumMod val="95000"/>
-                  </a:schemeClr>
-                </a:solidFill>
-                <a:effectLst/>
+              </a:rPr>
+              <a:t>. Содержит файлы классов, JAVA-ресурсы, зависимые библиотеки, и другие необходимые для приложения файлы. JAR может использоваться как в </a:t>
+            </a:r>
+            <a:r>
+              <a:rPr lang="ru-RU" sz="1800" dirty="0" err="1">
+                <a:effectLst>
+                  <a:glow rad="63500">
+                    <a:schemeClr val="tx1">
+                      <a:alpha val="40000"/>
+                    </a:schemeClr>
+                  </a:glow>
+                </a:effectLst>
                 <a:latin typeface="Segoe UI Black" panose="020B0A02040204020203" pitchFamily="34" charset="0"/>
                 <a:ea typeface="Segoe UI Black" panose="020B0A02040204020203" pitchFamily="34" charset="0"/>
-                <a:cs typeface="Times New Roman" panose="02020603050405020304" pitchFamily="18" charset="0"/>
-              </a:rPr>
-              <a:t>. Содержит файлы классов, </a:t>
-            </a:r>
-            <a:r>
-              <a:rPr lang="en-US" sz="1800" kern="100" dirty="0">
-                <a:solidFill>
-                  <a:schemeClr val="bg1">
-                    <a:lumMod val="95000"/>
-                  </a:schemeClr>
-                </a:solidFill>
-                <a:effectLst/>
+              </a:rPr>
+              <a:t>Android</a:t>
+            </a:r>
+            <a:r>
+              <a:rPr lang="ru-RU" sz="1800" dirty="0">
+                <a:effectLst>
+                  <a:glow rad="63500">
+                    <a:schemeClr val="tx1">
+                      <a:alpha val="40000"/>
+                    </a:schemeClr>
+                  </a:glow>
+                </a:effectLst>
                 <a:latin typeface="Segoe UI Black" panose="020B0A02040204020203" pitchFamily="34" charset="0"/>
                 <a:ea typeface="Segoe UI Black" panose="020B0A02040204020203" pitchFamily="34" charset="0"/>
-                <a:cs typeface="Times New Roman" panose="02020603050405020304" pitchFamily="18" charset="0"/>
-              </a:rPr>
-              <a:t>JAVA</a:t>
-            </a:r>
-            <a:r>
-              <a:rPr lang="ru-RU" sz="1800" kern="100" dirty="0">
-                <a:solidFill>
-                  <a:schemeClr val="bg1">
-                    <a:lumMod val="95000"/>
-                  </a:schemeClr>
-                </a:solidFill>
-                <a:effectLst/>
-                <a:latin typeface="Segoe UI Black" panose="020B0A02040204020203" pitchFamily="34" charset="0"/>
-                <a:ea typeface="Segoe UI Black" panose="020B0A02040204020203" pitchFamily="34" charset="0"/>
-                <a:cs typeface="Times New Roman" panose="02020603050405020304" pitchFamily="18" charset="0"/>
-              </a:rPr>
-              <a:t>-ресурсы, зависимые библиотеки, и другие необходимые для приложения файлы. JAR может использоваться как в </a:t>
-            </a:r>
-            <a:r>
-              <a:rPr lang="en-US" sz="1800" kern="100" dirty="0">
-                <a:solidFill>
-                  <a:schemeClr val="bg1">
-                    <a:lumMod val="95000"/>
-                  </a:schemeClr>
-                </a:solidFill>
-                <a:effectLst/>
-                <a:latin typeface="Segoe UI Black" panose="020B0A02040204020203" pitchFamily="34" charset="0"/>
-                <a:ea typeface="Segoe UI Black" panose="020B0A02040204020203" pitchFamily="34" charset="0"/>
-                <a:cs typeface="Times New Roman" panose="02020603050405020304" pitchFamily="18" charset="0"/>
-              </a:rPr>
-              <a:t>Android</a:t>
-            </a:r>
-            <a:r>
-              <a:rPr lang="ru-RU" sz="1800" kern="100" dirty="0">
-                <a:solidFill>
-                  <a:schemeClr val="bg1">
-                    <a:lumMod val="95000"/>
-                  </a:schemeClr>
-                </a:solidFill>
-                <a:effectLst/>
-                <a:latin typeface="Segoe UI Black" panose="020B0A02040204020203" pitchFamily="34" charset="0"/>
-                <a:ea typeface="Segoe UI Black" panose="020B0A02040204020203" pitchFamily="34" charset="0"/>
-                <a:cs typeface="Times New Roman" panose="02020603050405020304" pitchFamily="18" charset="0"/>
               </a:rPr>
               <a:t>-приложении, так и в приложении на чистой Java.</a:t>
             </a:r>
+            <a:endParaRPr lang="ru-RU" sz="1800" kern="100" dirty="0">
+              <a:solidFill>
+                <a:schemeClr val="bg1">
+                  <a:lumMod val="95000"/>
+                </a:schemeClr>
+              </a:solidFill>
+              <a:effectLst/>
+              <a:latin typeface="Segoe UI Black" panose="020B0A02040204020203" pitchFamily="34" charset="0"/>
+              <a:ea typeface="Segoe UI Black" panose="020B0A02040204020203" pitchFamily="34" charset="0"/>
+              <a:cs typeface="Times New Roman" panose="02020603050405020304" pitchFamily="18" charset="0"/>
+            </a:endParaRPr>
           </a:p>
         </p:txBody>
       </p:sp>
@@ -4753,146 +5744,290 @@
               <a:buSzPts val="1400"/>
             </a:pPr>
             <a:r>
-              <a:rPr lang="en-US" sz="1800" kern="100" dirty="0">
-                <a:effectLst/>
+              <a:rPr lang="en-US" sz="1800" kern="1200" dirty="0">
+                <a:solidFill>
+                  <a:srgbClr val="FFFFFF"/>
+                </a:solidFill>
+                <a:effectLst>
+                  <a:glow rad="63500">
+                    <a:schemeClr val="tx1">
+                      <a:alpha val="40000"/>
+                    </a:schemeClr>
+                  </a:glow>
+                </a:effectLst>
                 <a:latin typeface="Segoe UI Black" panose="020B0A02040204020203" pitchFamily="34" charset="0"/>
                 <a:ea typeface="Segoe UI Black" panose="020B0A02040204020203" pitchFamily="34" charset="0"/>
-                <a:cs typeface="Times New Roman" panose="02020603050405020304" pitchFamily="18" charset="0"/>
+                <a:cs typeface="+mn-cs"/>
               </a:rPr>
               <a:t>AAR – Android Archive. </a:t>
             </a:r>
             <a:r>
-              <a:rPr lang="ru-RU" sz="1800" kern="100" dirty="0">
-                <a:effectLst/>
+              <a:rPr lang="ru-RU" sz="1800" kern="1200" dirty="0">
+                <a:solidFill>
+                  <a:srgbClr val="FFFFFF"/>
+                </a:solidFill>
+                <a:effectLst>
+                  <a:glow rad="63500">
+                    <a:schemeClr val="tx1">
+                      <a:alpha val="40000"/>
+                    </a:schemeClr>
+                  </a:glow>
+                </a:effectLst>
                 <a:latin typeface="Segoe UI Black" panose="020B0A02040204020203" pitchFamily="34" charset="0"/>
                 <a:ea typeface="Segoe UI Black" panose="020B0A02040204020203" pitchFamily="34" charset="0"/>
-                <a:cs typeface="Times New Roman" panose="02020603050405020304" pitchFamily="18" charset="0"/>
+                <a:cs typeface="+mn-cs"/>
               </a:rPr>
               <a:t>Так же, как и </a:t>
             </a:r>
             <a:r>
-              <a:rPr lang="en-US" sz="1800" kern="100" dirty="0">
-                <a:effectLst/>
+              <a:rPr lang="en-US" sz="1800" kern="1200" dirty="0">
+                <a:solidFill>
+                  <a:srgbClr val="FFFFFF"/>
+                </a:solidFill>
+                <a:effectLst>
+                  <a:glow rad="63500">
+                    <a:schemeClr val="tx1">
+                      <a:alpha val="40000"/>
+                    </a:schemeClr>
+                  </a:glow>
+                </a:effectLst>
                 <a:latin typeface="Segoe UI Black" panose="020B0A02040204020203" pitchFamily="34" charset="0"/>
                 <a:ea typeface="Segoe UI Black" panose="020B0A02040204020203" pitchFamily="34" charset="0"/>
-                <a:cs typeface="Times New Roman" panose="02020603050405020304" pitchFamily="18" charset="0"/>
+                <a:cs typeface="+mn-cs"/>
               </a:rPr>
               <a:t>JAR </a:t>
             </a:r>
             <a:r>
-              <a:rPr lang="ru-RU" sz="1800" kern="100" dirty="0">
-                <a:effectLst/>
+              <a:rPr lang="ru-RU" sz="1800" kern="1200" dirty="0">
+                <a:solidFill>
+                  <a:srgbClr val="FFFFFF"/>
+                </a:solidFill>
+                <a:effectLst>
+                  <a:glow rad="63500">
+                    <a:schemeClr val="tx1">
+                      <a:alpha val="40000"/>
+                    </a:schemeClr>
+                  </a:glow>
+                </a:effectLst>
                 <a:latin typeface="Segoe UI Black" panose="020B0A02040204020203" pitchFamily="34" charset="0"/>
                 <a:ea typeface="Segoe UI Black" panose="020B0A02040204020203" pitchFamily="34" charset="0"/>
-                <a:cs typeface="Times New Roman" panose="02020603050405020304" pitchFamily="18" charset="0"/>
+                <a:cs typeface="+mn-cs"/>
               </a:rPr>
               <a:t>является </a:t>
             </a:r>
             <a:r>
-              <a:rPr lang="en-US" sz="1800" kern="100" dirty="0">
-                <a:effectLst/>
+              <a:rPr lang="en-US" sz="1800" kern="1200" dirty="0">
+                <a:solidFill>
+                  <a:srgbClr val="FFFFFF"/>
+                </a:solidFill>
+                <a:effectLst>
+                  <a:glow rad="63500">
+                    <a:schemeClr val="tx1">
+                      <a:alpha val="40000"/>
+                    </a:schemeClr>
+                  </a:glow>
+                </a:effectLst>
                 <a:latin typeface="Segoe UI Black" panose="020B0A02040204020203" pitchFamily="34" charset="0"/>
                 <a:ea typeface="Segoe UI Black" panose="020B0A02040204020203" pitchFamily="34" charset="0"/>
-                <a:cs typeface="Times New Roman" panose="02020603050405020304" pitchFamily="18" charset="0"/>
+                <a:cs typeface="+mn-cs"/>
               </a:rPr>
               <a:t>zip-</a:t>
             </a:r>
             <a:r>
-              <a:rPr lang="ru-RU" sz="1800" kern="100" dirty="0">
-                <a:effectLst/>
+              <a:rPr lang="ru-RU" sz="1800" kern="1200" dirty="0">
+                <a:solidFill>
+                  <a:srgbClr val="FFFFFF"/>
+                </a:solidFill>
+                <a:effectLst>
+                  <a:glow rad="63500">
+                    <a:schemeClr val="tx1">
+                      <a:alpha val="40000"/>
+                    </a:schemeClr>
+                  </a:glow>
+                </a:effectLst>
                 <a:latin typeface="Segoe UI Black" panose="020B0A02040204020203" pitchFamily="34" charset="0"/>
                 <a:ea typeface="Segoe UI Black" panose="020B0A02040204020203" pitchFamily="34" charset="0"/>
-                <a:cs typeface="Times New Roman" panose="02020603050405020304" pitchFamily="18" charset="0"/>
+                <a:cs typeface="+mn-cs"/>
               </a:rPr>
               <a:t>архивом, но может использоваться только в </a:t>
             </a:r>
             <a:r>
-              <a:rPr lang="en-US" sz="1800" kern="100" dirty="0">
-                <a:effectLst/>
+              <a:rPr lang="en-US" sz="1800" kern="1200" dirty="0">
+                <a:solidFill>
+                  <a:srgbClr val="FFFFFF"/>
+                </a:solidFill>
+                <a:effectLst>
+                  <a:glow rad="63500">
+                    <a:schemeClr val="tx1">
+                      <a:alpha val="40000"/>
+                    </a:schemeClr>
+                  </a:glow>
+                </a:effectLst>
                 <a:latin typeface="Segoe UI Black" panose="020B0A02040204020203" pitchFamily="34" charset="0"/>
                 <a:ea typeface="Segoe UI Black" panose="020B0A02040204020203" pitchFamily="34" charset="0"/>
-                <a:cs typeface="Times New Roman" panose="02020603050405020304" pitchFamily="18" charset="0"/>
+                <a:cs typeface="+mn-cs"/>
               </a:rPr>
               <a:t>Android-</a:t>
             </a:r>
             <a:r>
-              <a:rPr lang="ru-RU" sz="1800" kern="100" dirty="0">
-                <a:effectLst/>
+              <a:rPr lang="ru-RU" sz="1800" kern="1200" dirty="0">
+                <a:solidFill>
+                  <a:srgbClr val="FFFFFF"/>
+                </a:solidFill>
+                <a:effectLst>
+                  <a:glow rad="63500">
+                    <a:schemeClr val="tx1">
+                      <a:alpha val="40000"/>
+                    </a:schemeClr>
+                  </a:glow>
+                </a:effectLst>
                 <a:latin typeface="Segoe UI Black" panose="020B0A02040204020203" pitchFamily="34" charset="0"/>
                 <a:ea typeface="Segoe UI Black" panose="020B0A02040204020203" pitchFamily="34" charset="0"/>
-                <a:cs typeface="Times New Roman" panose="02020603050405020304" pitchFamily="18" charset="0"/>
+                <a:cs typeface="+mn-cs"/>
               </a:rPr>
               <a:t>приложении. </a:t>
             </a:r>
             <a:r>
-              <a:rPr lang="en-US" sz="1800" kern="100" dirty="0">
-                <a:effectLst/>
+              <a:rPr lang="en-US" sz="1800" kern="1200" dirty="0">
+                <a:solidFill>
+                  <a:srgbClr val="FFFFFF"/>
+                </a:solidFill>
+                <a:effectLst>
+                  <a:glow rad="63500">
+                    <a:schemeClr val="tx1">
+                      <a:alpha val="40000"/>
+                    </a:schemeClr>
+                  </a:glow>
+                </a:effectLst>
                 <a:latin typeface="Segoe UI Black" panose="020B0A02040204020203" pitchFamily="34" charset="0"/>
                 <a:ea typeface="Segoe UI Black" panose="020B0A02040204020203" pitchFamily="34" charset="0"/>
-                <a:cs typeface="Times New Roman" panose="02020603050405020304" pitchFamily="18" charset="0"/>
+                <a:cs typeface="+mn-cs"/>
               </a:rPr>
               <a:t>AAR </a:t>
             </a:r>
             <a:r>
-              <a:rPr lang="ru-RU" sz="1800" kern="100" dirty="0">
-                <a:effectLst/>
+              <a:rPr lang="ru-RU" sz="1800" kern="1200" dirty="0">
+                <a:solidFill>
+                  <a:srgbClr val="FFFFFF"/>
+                </a:solidFill>
+                <a:effectLst>
+                  <a:glow rad="63500">
+                    <a:schemeClr val="tx1">
+                      <a:alpha val="40000"/>
+                    </a:schemeClr>
+                  </a:glow>
+                </a:effectLst>
                 <a:latin typeface="Segoe UI Black" panose="020B0A02040204020203" pitchFamily="34" charset="0"/>
                 <a:ea typeface="Segoe UI Black" panose="020B0A02040204020203" pitchFamily="34" charset="0"/>
-                <a:cs typeface="Times New Roman" panose="02020603050405020304" pitchFamily="18" charset="0"/>
+                <a:cs typeface="+mn-cs"/>
               </a:rPr>
               <a:t>содержит скомпилированный исходный код в файле </a:t>
             </a:r>
             <a:r>
-              <a:rPr lang="en-US" sz="1800" kern="100" dirty="0">
-                <a:effectLst/>
+              <a:rPr lang="en-US" sz="1800" kern="1200" dirty="0">
+                <a:solidFill>
+                  <a:srgbClr val="FFFFFF"/>
+                </a:solidFill>
+                <a:effectLst>
+                  <a:glow rad="63500">
+                    <a:schemeClr val="tx1">
+                      <a:alpha val="40000"/>
+                    </a:schemeClr>
+                  </a:glow>
+                </a:effectLst>
                 <a:latin typeface="Segoe UI Black" panose="020B0A02040204020203" pitchFamily="34" charset="0"/>
                 <a:ea typeface="Segoe UI Black" panose="020B0A02040204020203" pitchFamily="34" charset="0"/>
-                <a:cs typeface="Times New Roman" panose="02020603050405020304" pitchFamily="18" charset="0"/>
+                <a:cs typeface="+mn-cs"/>
               </a:rPr>
               <a:t>classes.jar, Android-</a:t>
             </a:r>
             <a:r>
-              <a:rPr lang="ru-RU" sz="1800" kern="100" dirty="0">
-                <a:effectLst/>
+              <a:rPr lang="ru-RU" sz="1800" kern="1200" dirty="0">
+                <a:solidFill>
+                  <a:srgbClr val="FFFFFF"/>
+                </a:solidFill>
+                <a:effectLst>
+                  <a:glow rad="63500">
+                    <a:schemeClr val="tx1">
+                      <a:alpha val="40000"/>
+                    </a:schemeClr>
+                  </a:glow>
+                </a:effectLst>
                 <a:latin typeface="Segoe UI Black" panose="020B0A02040204020203" pitchFamily="34" charset="0"/>
                 <a:ea typeface="Segoe UI Black" panose="020B0A02040204020203" pitchFamily="34" charset="0"/>
-                <a:cs typeface="Times New Roman" panose="02020603050405020304" pitchFamily="18" charset="0"/>
+                <a:cs typeface="+mn-cs"/>
               </a:rPr>
               <a:t>ресурсы, </a:t>
             </a:r>
             <a:r>
-              <a:rPr lang="en-US" sz="1800" kern="100" dirty="0" err="1">
-                <a:effectLst/>
+              <a:rPr lang="en-US" sz="1800" kern="1200" dirty="0" err="1">
+                <a:solidFill>
+                  <a:srgbClr val="FFFFFF"/>
+                </a:solidFill>
+                <a:effectLst>
+                  <a:glow rad="63500">
+                    <a:schemeClr val="tx1">
+                      <a:alpha val="40000"/>
+                    </a:schemeClr>
+                  </a:glow>
+                </a:effectLst>
                 <a:latin typeface="Segoe UI Black" panose="020B0A02040204020203" pitchFamily="34" charset="0"/>
                 <a:ea typeface="Segoe UI Black" panose="020B0A02040204020203" pitchFamily="34" charset="0"/>
-                <a:cs typeface="Times New Roman" panose="02020603050405020304" pitchFamily="18" charset="0"/>
+                <a:cs typeface="+mn-cs"/>
               </a:rPr>
               <a:t>AndroidManifest</a:t>
             </a:r>
             <a:r>
-              <a:rPr lang="en-US" sz="1800" kern="100" dirty="0">
-                <a:effectLst/>
+              <a:rPr lang="en-US" sz="1800" kern="1200" dirty="0">
+                <a:solidFill>
+                  <a:srgbClr val="FFFFFF"/>
+                </a:solidFill>
+                <a:effectLst>
+                  <a:glow rad="63500">
+                    <a:schemeClr val="tx1">
+                      <a:alpha val="40000"/>
+                    </a:schemeClr>
+                  </a:glow>
+                </a:effectLst>
                 <a:latin typeface="Segoe UI Black" panose="020B0A02040204020203" pitchFamily="34" charset="0"/>
                 <a:ea typeface="Segoe UI Black" panose="020B0A02040204020203" pitchFamily="34" charset="0"/>
-                <a:cs typeface="Times New Roman" panose="02020603050405020304" pitchFamily="18" charset="0"/>
+                <a:cs typeface="+mn-cs"/>
               </a:rPr>
               <a:t>, </a:t>
             </a:r>
             <a:r>
-              <a:rPr lang="ru-RU" sz="1800" kern="100" dirty="0">
-                <a:effectLst/>
+              <a:rPr lang="ru-RU" sz="1800" kern="1200" dirty="0">
+                <a:solidFill>
+                  <a:srgbClr val="FFFFFF"/>
+                </a:solidFill>
+                <a:effectLst>
+                  <a:glow rad="63500">
+                    <a:schemeClr val="tx1">
+                      <a:alpha val="40000"/>
+                    </a:schemeClr>
+                  </a:glow>
+                </a:effectLst>
                 <a:latin typeface="Segoe UI Black" panose="020B0A02040204020203" pitchFamily="34" charset="0"/>
                 <a:ea typeface="Segoe UI Black" panose="020B0A02040204020203" pitchFamily="34" charset="0"/>
-                <a:cs typeface="Times New Roman" panose="02020603050405020304" pitchFamily="18" charset="0"/>
+                <a:cs typeface="+mn-cs"/>
               </a:rPr>
               <a:t>и другие файлы, входящие в состав </a:t>
             </a:r>
             <a:r>
-              <a:rPr lang="en-US" sz="1800" kern="100" dirty="0">
-                <a:effectLst/>
+              <a:rPr lang="en-US" sz="1800" kern="1200" dirty="0">
+                <a:solidFill>
+                  <a:srgbClr val="FFFFFF"/>
+                </a:solidFill>
+                <a:effectLst>
+                  <a:glow rad="63500">
+                    <a:schemeClr val="tx1">
+                      <a:alpha val="40000"/>
+                    </a:schemeClr>
+                  </a:glow>
+                </a:effectLst>
                 <a:latin typeface="Segoe UI Black" panose="020B0A02040204020203" pitchFamily="34" charset="0"/>
                 <a:ea typeface="Segoe UI Black" panose="020B0A02040204020203" pitchFamily="34" charset="0"/>
-                <a:cs typeface="Times New Roman" panose="02020603050405020304" pitchFamily="18" charset="0"/>
+                <a:cs typeface="+mn-cs"/>
               </a:rPr>
               <a:t>APK.</a:t>
             </a:r>
@@ -4902,6 +6037,36 @@
               <a:ea typeface="Segoe UI Black" panose="020B0A02040204020203" pitchFamily="34" charset="0"/>
               <a:cs typeface="Times New Roman" panose="02020603050405020304" pitchFamily="18" charset="0"/>
             </a:endParaRPr>
+          </a:p>
+        </p:txBody>
+      </p:sp>
+      <p:sp>
+        <p:nvSpPr>
+          <p:cNvPr id="6" name="Номер слайда 5">
+            <a:extLst>
+              <a:ext uri="{FF2B5EF4-FFF2-40B4-BE49-F238E27FC236}">
+                <a16:creationId xmlns:a16="http://schemas.microsoft.com/office/drawing/2014/main" id="{04F155D9-746C-2A4A-749F-7FFD272D00C7}"/>
+              </a:ext>
+            </a:extLst>
+          </p:cNvPr>
+          <p:cNvSpPr>
+            <a:spLocks noGrp="1"/>
+          </p:cNvSpPr>
+          <p:nvPr>
+            <p:ph type="sldNum" sz="quarter" idx="12"/>
+          </p:nvPr>
+        </p:nvSpPr>
+        <p:spPr/>
+        <p:txBody>
+          <a:bodyPr/>
+          <a:lstStyle/>
+          <a:p>
+            <a:fld id="{0276BA82-E53D-44DC-AD87-BB48D6C3B142}" type="slidenum">
+              <a:rPr lang="ru-RU" smtClean="0"/>
+              <a:pPr/>
+              <a:t>5</a:t>
+            </a:fld>
+            <a:endParaRPr lang="ru-RU" dirty="0"/>
           </a:p>
         </p:txBody>
       </p:sp>
@@ -4937,6 +6102,609 @@
       </p:grpSpPr>
       <p:sp>
         <p:nvSpPr>
+          <p:cNvPr id="3" name="TextBox 2">
+            <a:extLst>
+              <a:ext uri="{FF2B5EF4-FFF2-40B4-BE49-F238E27FC236}">
+                <a16:creationId xmlns:a16="http://schemas.microsoft.com/office/drawing/2014/main" id="{EDC0380F-8B18-033D-5125-4AA39B83C6D5}"/>
+              </a:ext>
+            </a:extLst>
+          </p:cNvPr>
+          <p:cNvSpPr txBox="1"/>
+          <p:nvPr/>
+        </p:nvSpPr>
+        <p:spPr>
+          <a:xfrm>
+            <a:off x="304799" y="449941"/>
+            <a:ext cx="8373835" cy="6003438"/>
+          </a:xfrm>
+          <a:prstGeom prst="rect">
+            <a:avLst/>
+          </a:prstGeom>
+          <a:noFill/>
+        </p:spPr>
+        <p:txBody>
+          <a:bodyPr wrap="square">
+            <a:spAutoFit/>
+          </a:bodyPr>
+          <a:lstStyle/>
+          <a:p>
+            <a:pPr algn="just">
+              <a:lnSpc>
+                <a:spcPct val="107000"/>
+              </a:lnSpc>
+              <a:spcAft>
+                <a:spcPts val="300"/>
+              </a:spcAft>
+            </a:pPr>
+            <a:r>
+              <a:rPr lang="ru-RU" sz="2000" dirty="0">
+                <a:solidFill>
+                  <a:schemeClr val="accent6">
+                    <a:lumMod val="60000"/>
+                    <a:lumOff val="40000"/>
+                  </a:schemeClr>
+                </a:solidFill>
+                <a:effectLst>
+                  <a:glow rad="63500">
+                    <a:schemeClr val="tx1"/>
+                  </a:glow>
+                </a:effectLst>
+                <a:latin typeface="Segoe UI Black" panose="020B0A02040204020203" pitchFamily="34" charset="0"/>
+                <a:ea typeface="Segoe UI Black" panose="020B0A02040204020203" pitchFamily="34" charset="0"/>
+              </a:rPr>
+              <a:t>При компиляции библиотеки для интеграции в </a:t>
+            </a:r>
+            <a:r>
+              <a:rPr lang="ru-RU" sz="2000" dirty="0" err="1">
+                <a:solidFill>
+                  <a:schemeClr val="accent6">
+                    <a:lumMod val="60000"/>
+                    <a:lumOff val="40000"/>
+                  </a:schemeClr>
+                </a:solidFill>
+                <a:effectLst>
+                  <a:glow rad="63500">
+                    <a:schemeClr val="tx1"/>
+                  </a:glow>
+                </a:effectLst>
+                <a:latin typeface="Segoe UI Black" panose="020B0A02040204020203" pitchFamily="34" charset="0"/>
+                <a:ea typeface="Segoe UI Black" panose="020B0A02040204020203" pitchFamily="34" charset="0"/>
+              </a:rPr>
+              <a:t>Unity</a:t>
+            </a:r>
+            <a:r>
+              <a:rPr lang="ru-RU" sz="2000" dirty="0">
+                <a:solidFill>
+                  <a:schemeClr val="accent6">
+                    <a:lumMod val="60000"/>
+                    <a:lumOff val="40000"/>
+                  </a:schemeClr>
+                </a:solidFill>
+                <a:effectLst>
+                  <a:glow rad="63500">
+                    <a:schemeClr val="tx1"/>
+                  </a:glow>
+                </a:effectLst>
+                <a:latin typeface="Segoe UI Black" panose="020B0A02040204020203" pitchFamily="34" charset="0"/>
+                <a:ea typeface="Segoe UI Black" panose="020B0A02040204020203" pitchFamily="34" charset="0"/>
+              </a:rPr>
+              <a:t>-приложение подходят оба архива, но нужно учитывать особенности. В документации </a:t>
+            </a:r>
+            <a:r>
+              <a:rPr lang="ru-RU" sz="2000" dirty="0" err="1">
+                <a:solidFill>
+                  <a:schemeClr val="accent6">
+                    <a:lumMod val="60000"/>
+                    <a:lumOff val="40000"/>
+                  </a:schemeClr>
+                </a:solidFill>
+                <a:effectLst>
+                  <a:glow rad="63500">
+                    <a:schemeClr val="tx1"/>
+                  </a:glow>
+                </a:effectLst>
+                <a:latin typeface="Segoe UI Black" panose="020B0A02040204020203" pitchFamily="34" charset="0"/>
+                <a:ea typeface="Segoe UI Black" panose="020B0A02040204020203" pitchFamily="34" charset="0"/>
+              </a:rPr>
+              <a:t>Unity</a:t>
+            </a:r>
+            <a:r>
+              <a:rPr lang="ru-RU" sz="2000" dirty="0">
+                <a:solidFill>
+                  <a:schemeClr val="accent6">
+                    <a:lumMod val="60000"/>
+                    <a:lumOff val="40000"/>
+                  </a:schemeClr>
+                </a:solidFill>
+                <a:effectLst>
+                  <a:glow rad="63500">
+                    <a:schemeClr val="tx1"/>
+                  </a:glow>
+                </a:effectLst>
+                <a:latin typeface="Segoe UI Black" panose="020B0A02040204020203" pitchFamily="34" charset="0"/>
+                <a:ea typeface="Segoe UI Black" panose="020B0A02040204020203" pitchFamily="34" charset="0"/>
+              </a:rPr>
+              <a:t>, разработчики советуют импортировать AAR плагины из-за большей совместимости с движком. Некоторые API могут требовать определенные разрешения, которые нужно прописывать в «AndroidManifest.xml». Сторонние библиотеки добавляются в «</a:t>
+            </a:r>
+            <a:r>
+              <a:rPr lang="ru-RU" sz="2000" dirty="0" err="1">
+                <a:solidFill>
+                  <a:schemeClr val="accent6">
+                    <a:lumMod val="60000"/>
+                    <a:lumOff val="40000"/>
+                  </a:schemeClr>
+                </a:solidFill>
+                <a:effectLst>
+                  <a:glow rad="63500">
+                    <a:schemeClr val="tx1"/>
+                  </a:glow>
+                </a:effectLst>
+                <a:latin typeface="Segoe UI Black" panose="020B0A02040204020203" pitchFamily="34" charset="0"/>
+                <a:ea typeface="Segoe UI Black" panose="020B0A02040204020203" pitchFamily="34" charset="0"/>
+              </a:rPr>
+              <a:t>build.Gradle</a:t>
+            </a:r>
+            <a:r>
+              <a:rPr lang="ru-RU" sz="2000" dirty="0">
+                <a:solidFill>
+                  <a:schemeClr val="accent6">
+                    <a:lumMod val="60000"/>
+                    <a:lumOff val="40000"/>
+                  </a:schemeClr>
+                </a:solidFill>
+                <a:effectLst>
+                  <a:glow rad="63500">
+                    <a:schemeClr val="tx1"/>
+                  </a:glow>
+                </a:effectLst>
+                <a:latin typeface="Segoe UI Black" panose="020B0A02040204020203" pitchFamily="34" charset="0"/>
+                <a:ea typeface="Segoe UI Black" panose="020B0A02040204020203" pitchFamily="34" charset="0"/>
+              </a:rPr>
+              <a:t>». Если использовать AAR файл, то при компиляции не обязательно указывать все нужные ресурсы в плагине, достаточно будет добавить их в манифест вашего основного приложения, а движок сам объединит всё в один </a:t>
+            </a:r>
+            <a:r>
+              <a:rPr lang="ru-RU" sz="2000" dirty="0" err="1">
+                <a:solidFill>
+                  <a:schemeClr val="accent6">
+                    <a:lumMod val="60000"/>
+                    <a:lumOff val="40000"/>
+                  </a:schemeClr>
+                </a:solidFill>
+                <a:effectLst>
+                  <a:glow rad="63500">
+                    <a:schemeClr val="tx1"/>
+                  </a:glow>
+                </a:effectLst>
+                <a:latin typeface="Segoe UI Black" panose="020B0A02040204020203" pitchFamily="34" charset="0"/>
+                <a:ea typeface="Segoe UI Black" panose="020B0A02040204020203" pitchFamily="34" charset="0"/>
+              </a:rPr>
+              <a:t>Gradle</a:t>
+            </a:r>
+            <a:r>
+              <a:rPr lang="ru-RU" sz="2000" dirty="0">
+                <a:solidFill>
+                  <a:schemeClr val="accent6">
+                    <a:lumMod val="60000"/>
+                    <a:lumOff val="40000"/>
+                  </a:schemeClr>
+                </a:solidFill>
+                <a:effectLst>
+                  <a:glow rad="63500">
+                    <a:schemeClr val="tx1"/>
+                  </a:glow>
+                </a:effectLst>
+                <a:latin typeface="Segoe UI Black" panose="020B0A02040204020203" pitchFamily="34" charset="0"/>
+                <a:ea typeface="Segoe UI Black" panose="020B0A02040204020203" pitchFamily="34" charset="0"/>
+              </a:rPr>
+              <a:t> файл. Также </a:t>
+            </a:r>
+            <a:r>
+              <a:rPr lang="ru-RU" sz="2000" dirty="0" err="1">
+                <a:solidFill>
+                  <a:schemeClr val="accent6">
+                    <a:lumMod val="60000"/>
+                    <a:lumOff val="40000"/>
+                  </a:schemeClr>
+                </a:solidFill>
+                <a:effectLst>
+                  <a:glow rad="63500">
+                    <a:schemeClr val="tx1"/>
+                  </a:glow>
+                </a:effectLst>
+                <a:latin typeface="Segoe UI Black" panose="020B0A02040204020203" pitchFamily="34" charset="0"/>
+                <a:ea typeface="Segoe UI Black" panose="020B0A02040204020203" pitchFamily="34" charset="0"/>
+              </a:rPr>
+              <a:t>Unity</a:t>
+            </a:r>
+            <a:r>
+              <a:rPr lang="ru-RU" sz="2000" dirty="0">
+                <a:solidFill>
+                  <a:schemeClr val="accent6">
+                    <a:lumMod val="60000"/>
+                    <a:lumOff val="40000"/>
+                  </a:schemeClr>
+                </a:solidFill>
+                <a:effectLst>
+                  <a:glow rad="63500">
+                    <a:schemeClr val="tx1"/>
+                  </a:glow>
+                </a:effectLst>
+                <a:latin typeface="Segoe UI Black" panose="020B0A02040204020203" pitchFamily="34" charset="0"/>
+                <a:ea typeface="Segoe UI Black" panose="020B0A02040204020203" pitchFamily="34" charset="0"/>
+              </a:rPr>
+              <a:t> не требует добавлять «3rd-party» в определенную папку, их можно будет расположить в наиболее удобной директории, находящейся в иерархии приложения. JAR файл, в свою очередь, обязывает прописывать все разрешения в манифесте при сборке, а библиотеки обязательно должны лежать в папке «</a:t>
+            </a:r>
+            <a:r>
+              <a:rPr lang="ru-RU" sz="2000" dirty="0" err="1">
+                <a:solidFill>
+                  <a:schemeClr val="accent6">
+                    <a:lumMod val="60000"/>
+                    <a:lumOff val="40000"/>
+                  </a:schemeClr>
+                </a:solidFill>
+                <a:effectLst>
+                  <a:glow rad="63500">
+                    <a:schemeClr val="tx1"/>
+                  </a:glow>
+                </a:effectLst>
+                <a:latin typeface="Segoe UI Black" panose="020B0A02040204020203" pitchFamily="34" charset="0"/>
+                <a:ea typeface="Segoe UI Black" panose="020B0A02040204020203" pitchFamily="34" charset="0"/>
+              </a:rPr>
+              <a:t>Assets</a:t>
+            </a:r>
+            <a:r>
+              <a:rPr lang="ru-RU" sz="2000" dirty="0">
+                <a:solidFill>
+                  <a:schemeClr val="accent6">
+                    <a:lumMod val="60000"/>
+                    <a:lumOff val="40000"/>
+                  </a:schemeClr>
+                </a:solidFill>
+                <a:effectLst>
+                  <a:glow rad="63500">
+                    <a:schemeClr val="tx1"/>
+                  </a:glow>
+                </a:effectLst>
+                <a:latin typeface="Segoe UI Black" panose="020B0A02040204020203" pitchFamily="34" charset="0"/>
+                <a:ea typeface="Segoe UI Black" panose="020B0A02040204020203" pitchFamily="34" charset="0"/>
+              </a:rPr>
+              <a:t>/</a:t>
+            </a:r>
+            <a:r>
+              <a:rPr lang="ru-RU" sz="2000" dirty="0" err="1">
+                <a:solidFill>
+                  <a:schemeClr val="accent6">
+                    <a:lumMod val="60000"/>
+                    <a:lumOff val="40000"/>
+                  </a:schemeClr>
+                </a:solidFill>
+                <a:effectLst>
+                  <a:glow rad="63500">
+                    <a:schemeClr val="tx1"/>
+                  </a:glow>
+                </a:effectLst>
+                <a:latin typeface="Segoe UI Black" panose="020B0A02040204020203" pitchFamily="34" charset="0"/>
+                <a:ea typeface="Segoe UI Black" panose="020B0A02040204020203" pitchFamily="34" charset="0"/>
+              </a:rPr>
+              <a:t>Plugins</a:t>
+            </a:r>
+            <a:r>
+              <a:rPr lang="ru-RU" sz="2000" dirty="0">
+                <a:solidFill>
+                  <a:schemeClr val="accent6">
+                    <a:lumMod val="60000"/>
+                    <a:lumOff val="40000"/>
+                  </a:schemeClr>
+                </a:solidFill>
+                <a:effectLst>
+                  <a:glow rad="63500">
+                    <a:schemeClr val="tx1"/>
+                  </a:glow>
+                </a:effectLst>
+                <a:latin typeface="Segoe UI Black" panose="020B0A02040204020203" pitchFamily="34" charset="0"/>
+                <a:ea typeface="Segoe UI Black" panose="020B0A02040204020203" pitchFamily="34" charset="0"/>
+              </a:rPr>
+              <a:t>/</a:t>
+            </a:r>
+            <a:r>
+              <a:rPr lang="ru-RU" sz="2000" dirty="0" err="1">
+                <a:solidFill>
+                  <a:schemeClr val="accent6">
+                    <a:lumMod val="60000"/>
+                    <a:lumOff val="40000"/>
+                  </a:schemeClr>
+                </a:solidFill>
+                <a:effectLst>
+                  <a:glow rad="63500">
+                    <a:schemeClr val="tx1"/>
+                  </a:glow>
+                </a:effectLst>
+                <a:latin typeface="Segoe UI Black" panose="020B0A02040204020203" pitchFamily="34" charset="0"/>
+                <a:ea typeface="Segoe UI Black" panose="020B0A02040204020203" pitchFamily="34" charset="0"/>
+              </a:rPr>
+              <a:t>Android</a:t>
+            </a:r>
+            <a:r>
+              <a:rPr lang="ru-RU" sz="2000" dirty="0">
+                <a:solidFill>
+                  <a:schemeClr val="accent6">
+                    <a:lumMod val="60000"/>
+                    <a:lumOff val="40000"/>
+                  </a:schemeClr>
+                </a:solidFill>
+                <a:effectLst>
+                  <a:glow rad="63500">
+                    <a:schemeClr val="tx1"/>
+                  </a:glow>
+                </a:effectLst>
+                <a:latin typeface="Segoe UI Black" panose="020B0A02040204020203" pitchFamily="34" charset="0"/>
+                <a:ea typeface="Segoe UI Black" panose="020B0A02040204020203" pitchFamily="34" charset="0"/>
+              </a:rPr>
+              <a:t>». </a:t>
+            </a:r>
+            <a:endParaRPr lang="ru-RU" sz="1600" kern="100" dirty="0">
+              <a:solidFill>
+                <a:schemeClr val="accent6">
+                  <a:lumMod val="60000"/>
+                  <a:lumOff val="40000"/>
+                </a:schemeClr>
+              </a:solidFill>
+              <a:effectLst>
+                <a:glow rad="63500">
+                  <a:schemeClr val="tx1"/>
+                </a:glow>
+              </a:effectLst>
+              <a:latin typeface="Calibri" panose="020F0502020204030204" pitchFamily="34" charset="0"/>
+              <a:ea typeface="Calibri" panose="020F0502020204030204" pitchFamily="34" charset="0"/>
+              <a:cs typeface="Times New Roman" panose="02020603050405020304" pitchFamily="18" charset="0"/>
+            </a:endParaRPr>
+          </a:p>
+        </p:txBody>
+      </p:sp>
+      <p:pic>
+        <p:nvPicPr>
+          <p:cNvPr id="7" name="Рисунок 6">
+            <a:extLst>
+              <a:ext uri="{FF2B5EF4-FFF2-40B4-BE49-F238E27FC236}">
+                <a16:creationId xmlns:a16="http://schemas.microsoft.com/office/drawing/2014/main" id="{327AB5BD-B65F-DFFA-1C98-EE906641C9F6}"/>
+              </a:ext>
+            </a:extLst>
+          </p:cNvPr>
+          <p:cNvPicPr>
+            <a:picLocks noChangeAspect="1"/>
+          </p:cNvPicPr>
+          <p:nvPr/>
+        </p:nvPicPr>
+        <p:blipFill>
+          <a:blip r:embed="rId2"/>
+          <a:stretch>
+            <a:fillRect/>
+          </a:stretch>
+        </p:blipFill>
+        <p:spPr>
+          <a:xfrm>
+            <a:off x="9256485" y="685800"/>
+            <a:ext cx="2042886" cy="2042886"/>
+          </a:xfrm>
+          <a:prstGeom prst="rect">
+            <a:avLst/>
+          </a:prstGeom>
+        </p:spPr>
+      </p:pic>
+      <p:pic>
+        <p:nvPicPr>
+          <p:cNvPr id="9" name="Рисунок 8">
+            <a:extLst>
+              <a:ext uri="{FF2B5EF4-FFF2-40B4-BE49-F238E27FC236}">
+                <a16:creationId xmlns:a16="http://schemas.microsoft.com/office/drawing/2014/main" id="{383946E3-242A-1E76-A767-E737143C6360}"/>
+              </a:ext>
+            </a:extLst>
+          </p:cNvPr>
+          <p:cNvPicPr>
+            <a:picLocks noChangeAspect="1"/>
+          </p:cNvPicPr>
+          <p:nvPr/>
+        </p:nvPicPr>
+        <p:blipFill>
+          <a:blip r:embed="rId3"/>
+          <a:stretch>
+            <a:fillRect/>
+          </a:stretch>
+        </p:blipFill>
+        <p:spPr>
+          <a:xfrm>
+            <a:off x="9372599" y="3600419"/>
+            <a:ext cx="1810657" cy="1810657"/>
+          </a:xfrm>
+          <a:prstGeom prst="rect">
+            <a:avLst/>
+          </a:prstGeom>
+        </p:spPr>
+      </p:pic>
+      <p:sp>
+        <p:nvSpPr>
+          <p:cNvPr id="10" name="TextBox 9">
+            <a:extLst>
+              <a:ext uri="{FF2B5EF4-FFF2-40B4-BE49-F238E27FC236}">
+                <a16:creationId xmlns:a16="http://schemas.microsoft.com/office/drawing/2014/main" id="{14A8764A-F800-E5F1-09FA-4D734BE1315D}"/>
+              </a:ext>
+            </a:extLst>
+          </p:cNvPr>
+          <p:cNvSpPr txBox="1"/>
+          <p:nvPr/>
+        </p:nvSpPr>
+        <p:spPr>
+          <a:xfrm>
+            <a:off x="8678635" y="2936557"/>
+            <a:ext cx="3198586" cy="492443"/>
+          </a:xfrm>
+          <a:prstGeom prst="rect">
+            <a:avLst/>
+          </a:prstGeom>
+          <a:noFill/>
+          <a:effectLst>
+            <a:glow rad="12700">
+              <a:schemeClr val="accent1">
+                <a:alpha val="0"/>
+              </a:schemeClr>
+            </a:glow>
+          </a:effectLst>
+        </p:spPr>
+        <p:txBody>
+          <a:bodyPr wrap="square" rtlCol="0">
+            <a:spAutoFit/>
+          </a:bodyPr>
+          <a:lstStyle/>
+          <a:p>
+            <a:r>
+              <a:rPr lang="en-US" sz="2600" b="1" dirty="0">
+                <a:solidFill>
+                  <a:srgbClr val="00B0F0"/>
+                </a:solidFill>
+                <a:effectLst>
+                  <a:glow rad="63500">
+                    <a:schemeClr val="tx1"/>
+                  </a:glow>
+                </a:effectLst>
+              </a:rPr>
+              <a:t>AndroidManifest.xml</a:t>
+            </a:r>
+            <a:endParaRPr lang="ru-RU" sz="2600" b="1" dirty="0">
+              <a:solidFill>
+                <a:srgbClr val="00B0F0"/>
+              </a:solidFill>
+              <a:effectLst>
+                <a:glow rad="63500">
+                  <a:schemeClr val="tx1"/>
+                </a:glow>
+              </a:effectLst>
+            </a:endParaRPr>
+          </a:p>
+        </p:txBody>
+      </p:sp>
+      <p:sp>
+        <p:nvSpPr>
+          <p:cNvPr id="11" name="TextBox 10">
+            <a:extLst>
+              <a:ext uri="{FF2B5EF4-FFF2-40B4-BE49-F238E27FC236}">
+                <a16:creationId xmlns:a16="http://schemas.microsoft.com/office/drawing/2014/main" id="{CF1107C8-718C-BF5F-8D38-30293A05C845}"/>
+              </a:ext>
+            </a:extLst>
+          </p:cNvPr>
+          <p:cNvSpPr txBox="1"/>
+          <p:nvPr/>
+        </p:nvSpPr>
+        <p:spPr>
+          <a:xfrm>
+            <a:off x="9372599" y="5679757"/>
+            <a:ext cx="1926772" cy="492443"/>
+          </a:xfrm>
+          <a:prstGeom prst="rect">
+            <a:avLst/>
+          </a:prstGeom>
+          <a:noFill/>
+          <a:effectLst>
+            <a:glow rad="12700">
+              <a:schemeClr val="accent1">
+                <a:alpha val="0"/>
+              </a:schemeClr>
+            </a:glow>
+          </a:effectLst>
+        </p:spPr>
+        <p:txBody>
+          <a:bodyPr wrap="square" rtlCol="0">
+            <a:spAutoFit/>
+          </a:bodyPr>
+          <a:lstStyle/>
+          <a:p>
+            <a:r>
+              <a:rPr lang="en-US" sz="2600" b="1" dirty="0" err="1">
+                <a:solidFill>
+                  <a:srgbClr val="00B0F0"/>
+                </a:solidFill>
+                <a:effectLst>
+                  <a:glow rad="63500">
+                    <a:schemeClr val="tx1"/>
+                  </a:glow>
+                </a:effectLst>
+              </a:rPr>
+              <a:t>Build.Gradle</a:t>
+            </a:r>
+            <a:endParaRPr lang="ru-RU" sz="2600" b="1" dirty="0">
+              <a:solidFill>
+                <a:srgbClr val="00B0F0"/>
+              </a:solidFill>
+              <a:effectLst>
+                <a:glow rad="63500">
+                  <a:schemeClr val="tx1"/>
+                </a:glow>
+              </a:effectLst>
+            </a:endParaRPr>
+          </a:p>
+        </p:txBody>
+      </p:sp>
+      <p:sp>
+        <p:nvSpPr>
+          <p:cNvPr id="5" name="Номер слайда 4">
+            <a:extLst>
+              <a:ext uri="{FF2B5EF4-FFF2-40B4-BE49-F238E27FC236}">
+                <a16:creationId xmlns:a16="http://schemas.microsoft.com/office/drawing/2014/main" id="{DFE64DD7-69D9-7D69-85A2-91AA426DF064}"/>
+              </a:ext>
+            </a:extLst>
+          </p:cNvPr>
+          <p:cNvSpPr>
+            <a:spLocks noGrp="1"/>
+          </p:cNvSpPr>
+          <p:nvPr>
+            <p:ph type="sldNum" sz="quarter" idx="12"/>
+          </p:nvPr>
+        </p:nvSpPr>
+        <p:spPr/>
+        <p:txBody>
+          <a:bodyPr/>
+          <a:lstStyle/>
+          <a:p>
+            <a:fld id="{0276BA82-E53D-44DC-AD87-BB48D6C3B142}" type="slidenum">
+              <a:rPr lang="ru-RU" smtClean="0"/>
+              <a:pPr/>
+              <a:t>6</a:t>
+            </a:fld>
+            <a:endParaRPr lang="ru-RU" dirty="0"/>
+          </a:p>
+        </p:txBody>
+      </p:sp>
+    </p:spTree>
+    <p:extLst>
+      <p:ext uri="{BB962C8B-B14F-4D97-AF65-F5344CB8AC3E}">
+        <p14:creationId xmlns:p14="http://schemas.microsoft.com/office/powerpoint/2010/main" val="1531267358"/>
+      </p:ext>
+    </p:extLst>
+  </p:cSld>
+  <p:clrMapOvr>
+    <a:masterClrMapping/>
+  </p:clrMapOvr>
+</p:sld>
+</file>
+
+<file path=ppt/slides/slide7.xml><?xml version="1.0" encoding="utf-8"?>
+<p:sld xmlns:a="http://schemas.openxmlformats.org/drawingml/2006/main" xmlns:r="http://schemas.openxmlformats.org/officeDocument/2006/relationships" xmlns:p="http://schemas.openxmlformats.org/presentationml/2006/main">
+  <p:cSld>
+    <p:spTree>
+      <p:nvGrpSpPr>
+        <p:cNvPr id="1" name=""/>
+        <p:cNvGrpSpPr/>
+        <p:nvPr/>
+      </p:nvGrpSpPr>
+      <p:grpSpPr>
+        <a:xfrm>
+          <a:off x="0" y="0"/>
+          <a:ext cx="0" cy="0"/>
+          <a:chOff x="0" y="0"/>
+          <a:chExt cx="0" cy="0"/>
+        </a:xfrm>
+      </p:grpSpPr>
+      <p:sp>
+        <p:nvSpPr>
           <p:cNvPr id="2" name="Прямоугольник: скругленные углы 1">
             <a:extLst>
               <a:ext uri="{FF2B5EF4-FFF2-40B4-BE49-F238E27FC236}">
@@ -4949,7 +6717,7 @@
         </p:nvSpPr>
         <p:spPr>
           <a:xfrm>
-            <a:off x="1915886" y="1661886"/>
+            <a:off x="3847646" y="2541811"/>
             <a:ext cx="3222172" cy="769257"/>
           </a:xfrm>
           <a:prstGeom prst="roundRect">
@@ -4978,7 +6746,7 @@
           <a:p>
             <a:pPr algn="ctr"/>
             <a:r>
-              <a:rPr lang="en-US" sz="3600" dirty="0">
+              <a:rPr lang="en-US" sz="3600">
                 <a:latin typeface="Segoe UI Black" panose="020B0A02040204020203" pitchFamily="34" charset="0"/>
                 <a:ea typeface="Segoe UI Black" panose="020B0A02040204020203" pitchFamily="34" charset="0"/>
               </a:rPr>
@@ -5005,7 +6773,7 @@
         </p:nvSpPr>
         <p:spPr>
           <a:xfrm>
-            <a:off x="1915886" y="3044371"/>
+            <a:off x="625474" y="4192811"/>
             <a:ext cx="3222172" cy="769257"/>
           </a:xfrm>
           <a:prstGeom prst="roundRect">
@@ -5069,8 +6837,8 @@
         </p:blipFill>
         <p:spPr>
           <a:xfrm>
-            <a:off x="405949" y="5286069"/>
-            <a:ext cx="1190171" cy="1190171"/>
+            <a:off x="568780" y="5751430"/>
+            <a:ext cx="838201" cy="838201"/>
           </a:xfrm>
           <a:prstGeom prst="rect">
             <a:avLst/>
@@ -5099,8 +6867,8 @@
         </p:blipFill>
         <p:spPr>
           <a:xfrm>
-            <a:off x="2875190" y="5286069"/>
-            <a:ext cx="1303564" cy="1303564"/>
+            <a:off x="1738085" y="5787569"/>
+            <a:ext cx="838202" cy="838202"/>
           </a:xfrm>
           <a:prstGeom prst="rect">
             <a:avLst/>
@@ -5129,8 +6897,8 @@
         </p:blipFill>
         <p:spPr>
           <a:xfrm>
-            <a:off x="5686878" y="5286069"/>
-            <a:ext cx="1303564" cy="1303564"/>
+            <a:off x="2824841" y="5787570"/>
+            <a:ext cx="838201" cy="838201"/>
           </a:xfrm>
           <a:prstGeom prst="rect">
             <a:avLst/>
@@ -5148,13 +6916,14 @@
           </p:cNvPr>
           <p:cNvCxnSpPr>
             <a:cxnSpLocks/>
+            <a:endCxn id="4" idx="0"/>
           </p:cNvCxnSpPr>
           <p:nvPr/>
         </p:nvCxnSpPr>
         <p:spPr>
-          <a:xfrm flipH="1">
-            <a:off x="1367066" y="4100285"/>
-            <a:ext cx="1079954" cy="986971"/>
+          <a:xfrm>
+            <a:off x="987881" y="5087255"/>
+            <a:ext cx="0" cy="664175"/>
           </a:xfrm>
           <a:prstGeom prst="straightConnector1">
             <a:avLst/>
@@ -5192,13 +6961,14 @@
           </p:cNvPr>
           <p:cNvCxnSpPr>
             <a:cxnSpLocks/>
+            <a:endCxn id="5" idx="0"/>
           </p:cNvCxnSpPr>
           <p:nvPr/>
         </p:nvCxnSpPr>
         <p:spPr>
           <a:xfrm>
-            <a:off x="3526972" y="3955142"/>
-            <a:ext cx="0" cy="1132114"/>
+            <a:off x="2157186" y="5087255"/>
+            <a:ext cx="0" cy="700314"/>
           </a:xfrm>
           <a:prstGeom prst="straightConnector1">
             <a:avLst/>
@@ -5236,13 +7006,14 @@
           </p:cNvPr>
           <p:cNvCxnSpPr>
             <a:cxnSpLocks/>
+            <a:endCxn id="6" idx="0"/>
           </p:cNvCxnSpPr>
           <p:nvPr/>
         </p:nvCxnSpPr>
         <p:spPr>
           <a:xfrm>
-            <a:off x="4455886" y="4100285"/>
-            <a:ext cx="1431471" cy="1095829"/>
+            <a:off x="3241674" y="5087255"/>
+            <a:ext cx="2268" cy="700315"/>
           </a:xfrm>
           <a:prstGeom prst="straightConnector1">
             <a:avLst/>
@@ -5291,7 +7062,7 @@
         </p:blipFill>
         <p:spPr>
           <a:xfrm>
-            <a:off x="6259398" y="1190171"/>
+            <a:off x="4622346" y="3813628"/>
             <a:ext cx="1672771" cy="1672771"/>
           </a:xfrm>
           <a:prstGeom prst="rect">
@@ -5314,9 +7085,9 @@
           <p:nvPr/>
         </p:nvCxnSpPr>
         <p:spPr>
-          <a:xfrm>
-            <a:off x="3526972" y="2506980"/>
-            <a:ext cx="0" cy="464820"/>
+          <a:xfrm flipH="1">
+            <a:off x="3741057" y="3427242"/>
+            <a:ext cx="176894" cy="636757"/>
           </a:xfrm>
           <a:prstGeom prst="straightConnector1">
             <a:avLst/>
@@ -5359,8 +7130,8 @@
         </p:nvCxnSpPr>
         <p:spPr>
           <a:xfrm>
-            <a:off x="5341620" y="2026557"/>
-            <a:ext cx="716349" cy="0"/>
+            <a:off x="5458732" y="3427242"/>
+            <a:ext cx="0" cy="562823"/>
           </a:xfrm>
           <a:prstGeom prst="straightConnector1">
             <a:avLst/>
@@ -5416,7 +7187,7 @@
         </p:blipFill>
         <p:spPr bwMode="auto">
           <a:xfrm>
-            <a:off x="8814026" y="1279751"/>
+            <a:off x="8415335" y="5087255"/>
             <a:ext cx="2924175" cy="1533525"/>
           </a:xfrm>
           <a:prstGeom prst="rect">
@@ -5449,9 +7220,9 @@
           <p:nvPr/>
         </p:nvCxnSpPr>
         <p:spPr>
-          <a:xfrm>
-            <a:off x="8162925" y="2026557"/>
-            <a:ext cx="440528" cy="0"/>
+          <a:xfrm flipV="1">
+            <a:off x="6611030" y="3492498"/>
+            <a:ext cx="1804305" cy="995135"/>
           </a:xfrm>
           <a:prstGeom prst="straightConnector1">
             <a:avLst/>
@@ -5507,7 +7278,7 @@
         </p:blipFill>
         <p:spPr bwMode="auto">
           <a:xfrm>
-            <a:off x="9182140" y="3286725"/>
+            <a:off x="8823778" y="1716311"/>
             <a:ext cx="2126343" cy="3189515"/>
           </a:xfrm>
           <a:prstGeom prst="rect">
@@ -5541,8 +7312,8 @@
         </p:nvCxnSpPr>
         <p:spPr>
           <a:xfrm>
-            <a:off x="8001000" y="2813276"/>
-            <a:ext cx="895350" cy="1000352"/>
+            <a:off x="6611030" y="5087255"/>
+            <a:ext cx="1604056" cy="664175"/>
           </a:xfrm>
           <a:prstGeom prst="straightConnector1">
             <a:avLst/>
@@ -5569,238 +7340,12 @@
           </a:fontRef>
         </p:style>
       </p:cxnSp>
-    </p:spTree>
-    <p:extLst>
-      <p:ext uri="{BB962C8B-B14F-4D97-AF65-F5344CB8AC3E}">
-        <p14:creationId xmlns:p14="http://schemas.microsoft.com/office/powerpoint/2010/main" val="2903774953"/>
-      </p:ext>
-    </p:extLst>
-  </p:cSld>
-  <p:clrMapOvr>
-    <a:masterClrMapping/>
-  </p:clrMapOvr>
-</p:sld>
-</file>
-
-<file path=ppt/slides/slide7.xml><?xml version="1.0" encoding="utf-8"?>
-<p:sld xmlns:a="http://schemas.openxmlformats.org/drawingml/2006/main" xmlns:r="http://schemas.openxmlformats.org/officeDocument/2006/relationships" xmlns:p="http://schemas.openxmlformats.org/presentationml/2006/main">
-  <p:cSld>
-    <p:spTree>
-      <p:nvGrpSpPr>
-        <p:cNvPr id="1" name=""/>
-        <p:cNvGrpSpPr/>
-        <p:nvPr/>
-      </p:nvGrpSpPr>
-      <p:grpSpPr>
-        <a:xfrm>
-          <a:off x="0" y="0"/>
-          <a:ext cx="0" cy="0"/>
-          <a:chOff x="0" y="0"/>
-          <a:chExt cx="0" cy="0"/>
-        </a:xfrm>
-      </p:grpSpPr>
       <p:sp>
         <p:nvSpPr>
-          <p:cNvPr id="9" name="Прямоугольник: скругленные углы 8">
-            <a:extLst>
-              <a:ext uri="{FF2B5EF4-FFF2-40B4-BE49-F238E27FC236}">
-                <a16:creationId xmlns:a16="http://schemas.microsoft.com/office/drawing/2014/main" id="{A59D5A35-53B6-D557-AFCD-17D5CEC4D3E4}"/>
-              </a:ext>
-            </a:extLst>
-          </p:cNvPr>
-          <p:cNvSpPr/>
-          <p:nvPr/>
-        </p:nvSpPr>
-        <p:spPr>
-          <a:xfrm>
-            <a:off x="190500" y="390525"/>
-            <a:ext cx="4486275" cy="1504950"/>
-          </a:xfrm>
-          <a:prstGeom prst="roundRect">
-            <a:avLst/>
-          </a:prstGeom>
-        </p:spPr>
-        <p:style>
-          <a:lnRef idx="2">
-            <a:schemeClr val="accent6">
-              <a:shade val="15000"/>
-            </a:schemeClr>
-          </a:lnRef>
-          <a:fillRef idx="1">
-            <a:schemeClr val="accent6"/>
-          </a:fillRef>
-          <a:effectRef idx="0">
-            <a:schemeClr val="accent6"/>
-          </a:effectRef>
-          <a:fontRef idx="minor">
-            <a:schemeClr val="lt1"/>
-          </a:fontRef>
-        </p:style>
-        <p:txBody>
-          <a:bodyPr rtlCol="0" anchor="ctr"/>
-          <a:lstStyle/>
-          <a:p>
-            <a:pPr algn="ctr"/>
-            <a:endParaRPr lang="ru-RU"/>
-          </a:p>
-        </p:txBody>
-      </p:sp>
-      <p:pic>
-        <p:nvPicPr>
-          <p:cNvPr id="2" name="Рисунок 1">
-            <a:extLst>
-              <a:ext uri="{FF2B5EF4-FFF2-40B4-BE49-F238E27FC236}">
-                <a16:creationId xmlns:a16="http://schemas.microsoft.com/office/drawing/2014/main" id="{075A7969-8294-D9DD-1496-E0A451ED757C}"/>
-              </a:ext>
-            </a:extLst>
-          </p:cNvPr>
-          <p:cNvPicPr>
-            <a:picLocks noChangeAspect="1"/>
-          </p:cNvPicPr>
-          <p:nvPr/>
-        </p:nvPicPr>
-        <p:blipFill>
-          <a:blip r:embed="rId2"/>
-          <a:stretch>
-            <a:fillRect/>
-          </a:stretch>
-        </p:blipFill>
-        <p:spPr>
-          <a:xfrm>
-            <a:off x="3647827" y="837894"/>
-            <a:ext cx="647247" cy="647247"/>
-          </a:xfrm>
-          <a:prstGeom prst="rect">
-            <a:avLst/>
-          </a:prstGeom>
-        </p:spPr>
-      </p:pic>
-      <p:pic>
-        <p:nvPicPr>
-          <p:cNvPr id="3" name="Рисунок 2">
-            <a:extLst>
-              <a:ext uri="{FF2B5EF4-FFF2-40B4-BE49-F238E27FC236}">
-                <a16:creationId xmlns:a16="http://schemas.microsoft.com/office/drawing/2014/main" id="{F11424D9-7E6E-D9F9-F2EA-EB39A7C4B9E5}"/>
-              </a:ext>
-            </a:extLst>
-          </p:cNvPr>
-          <p:cNvPicPr>
-            <a:picLocks noChangeAspect="1"/>
-          </p:cNvPicPr>
-          <p:nvPr/>
-        </p:nvPicPr>
-        <p:blipFill>
-          <a:blip r:embed="rId3"/>
-          <a:stretch>
-            <a:fillRect/>
-          </a:stretch>
-        </p:blipFill>
-        <p:spPr>
-          <a:xfrm>
-            <a:off x="467178" y="837894"/>
-            <a:ext cx="647247" cy="647247"/>
-          </a:xfrm>
-          <a:prstGeom prst="rect">
-            <a:avLst/>
-          </a:prstGeom>
-        </p:spPr>
-      </p:pic>
-      <p:pic>
-        <p:nvPicPr>
-          <p:cNvPr id="4" name="Рисунок 3">
-            <a:extLst>
-              <a:ext uri="{FF2B5EF4-FFF2-40B4-BE49-F238E27FC236}">
-                <a16:creationId xmlns:a16="http://schemas.microsoft.com/office/drawing/2014/main" id="{581C9829-9BD7-3DF9-0BD2-071A3C8D5910}"/>
-              </a:ext>
-            </a:extLst>
-          </p:cNvPr>
-          <p:cNvPicPr>
-            <a:picLocks noChangeAspect="1"/>
-          </p:cNvPicPr>
-          <p:nvPr/>
-        </p:nvPicPr>
-        <p:blipFill>
-          <a:blip r:embed="rId4"/>
-          <a:stretch>
-            <a:fillRect/>
-          </a:stretch>
-        </p:blipFill>
-        <p:spPr>
-          <a:xfrm>
-            <a:off x="1498600" y="837894"/>
-            <a:ext cx="647247" cy="647247"/>
-          </a:xfrm>
-          <a:prstGeom prst="rect">
-            <a:avLst/>
-          </a:prstGeom>
-        </p:spPr>
-      </p:pic>
-      <p:pic>
-        <p:nvPicPr>
-          <p:cNvPr id="5" name="Рисунок 4">
-            <a:extLst>
-              <a:ext uri="{FF2B5EF4-FFF2-40B4-BE49-F238E27FC236}">
-                <a16:creationId xmlns:a16="http://schemas.microsoft.com/office/drawing/2014/main" id="{4B074081-BE3F-B6FF-7C78-CAD1A2FF2DD5}"/>
-              </a:ext>
-            </a:extLst>
-          </p:cNvPr>
-          <p:cNvPicPr>
-            <a:picLocks noChangeAspect="1"/>
-          </p:cNvPicPr>
-          <p:nvPr/>
-        </p:nvPicPr>
-        <p:blipFill>
-          <a:blip r:embed="rId5"/>
-          <a:stretch>
-            <a:fillRect/>
-          </a:stretch>
-        </p:blipFill>
-        <p:spPr>
-          <a:xfrm>
-            <a:off x="2530022" y="794702"/>
-            <a:ext cx="733630" cy="733630"/>
-          </a:xfrm>
-          <a:prstGeom prst="rect">
-            <a:avLst/>
-          </a:prstGeom>
-        </p:spPr>
-      </p:pic>
-      <p:pic>
-        <p:nvPicPr>
-          <p:cNvPr id="7" name="Рисунок 6">
-            <a:extLst>
-              <a:ext uri="{FF2B5EF4-FFF2-40B4-BE49-F238E27FC236}">
-                <a16:creationId xmlns:a16="http://schemas.microsoft.com/office/drawing/2014/main" id="{E07D5BE0-488A-62D3-6860-325EE7896C0C}"/>
-              </a:ext>
-            </a:extLst>
-          </p:cNvPr>
-          <p:cNvPicPr>
-            <a:picLocks noChangeAspect="1"/>
-          </p:cNvPicPr>
-          <p:nvPr/>
-        </p:nvPicPr>
-        <p:blipFill>
-          <a:blip r:embed="rId6"/>
-          <a:stretch>
-            <a:fillRect/>
-          </a:stretch>
-        </p:blipFill>
-        <p:spPr>
-          <a:xfrm rot="10800000">
-            <a:off x="1610962" y="2962275"/>
-            <a:ext cx="1285875" cy="1285875"/>
-          </a:xfrm>
-          <a:prstGeom prst="rect">
-            <a:avLst/>
-          </a:prstGeom>
-        </p:spPr>
-      </p:pic>
-      <p:sp>
-        <p:nvSpPr>
-          <p:cNvPr id="10" name="TextBox 9">
-            <a:extLst>
-              <a:ext uri="{FF2B5EF4-FFF2-40B4-BE49-F238E27FC236}">
-                <a16:creationId xmlns:a16="http://schemas.microsoft.com/office/drawing/2014/main" id="{41C7B7AA-0C64-3884-9581-0AF088A3F17F}"/>
+          <p:cNvPr id="36" name="TextBox 35">
+            <a:extLst>
+              <a:ext uri="{FF2B5EF4-FFF2-40B4-BE49-F238E27FC236}">
+                <a16:creationId xmlns:a16="http://schemas.microsoft.com/office/drawing/2014/main" id="{F540DC81-6227-EEA7-55D1-84BDEDDA8584}"/>
               </a:ext>
             </a:extLst>
           </p:cNvPr>
@@ -5809,8 +7354,8 @@
         </p:nvSpPr>
         <p:spPr>
           <a:xfrm>
-            <a:off x="810861" y="5105399"/>
-            <a:ext cx="2886075" cy="769441"/>
+            <a:off x="3847646" y="217439"/>
+            <a:ext cx="3505654" cy="2308324"/>
           </a:xfrm>
           <a:prstGeom prst="rect">
             <a:avLst/>
@@ -5823,92 +7368,69 @@
           </a:bodyPr>
           <a:lstStyle/>
           <a:p>
-            <a:r>
-              <a:rPr lang="en-US" sz="4400" dirty="0">
-                <a:solidFill>
-                  <a:schemeClr val="accent6"/>
-                </a:solidFill>
-                <a:latin typeface="Segoe UI Black" panose="020B0A02040204020203" pitchFamily="34" charset="0"/>
-                <a:ea typeface="Segoe UI Black" panose="020B0A02040204020203" pitchFamily="34" charset="0"/>
-              </a:rPr>
-              <a:t>Singleton</a:t>
-            </a:r>
-            <a:endParaRPr lang="ru-RU" sz="4400" dirty="0">
-              <a:solidFill>
-                <a:schemeClr val="accent6"/>
-              </a:solidFill>
-              <a:latin typeface="Segoe UI Black" panose="020B0A02040204020203" pitchFamily="34" charset="0"/>
-              <a:ea typeface="Segoe UI Black" panose="020B0A02040204020203" pitchFamily="34" charset="0"/>
-            </a:endParaRPr>
+            <a:pPr algn="just"/>
+            <a:r>
+              <a:rPr lang="ru-RU" sz="1600" b="1" dirty="0" err="1">
+                <a:solidFill>
+                  <a:srgbClr val="00B0F0"/>
+                </a:solidFill>
+                <a:effectLst>
+                  <a:glow rad="63500">
+                    <a:schemeClr val="tx1"/>
+                  </a:glow>
+                </a:effectLst>
+              </a:rPr>
+              <a:t>Android</a:t>
+            </a:r>
+            <a:r>
+              <a:rPr lang="ru-RU" sz="1600" b="1" dirty="0">
+                <a:solidFill>
+                  <a:srgbClr val="00B0F0"/>
+                </a:solidFill>
+                <a:effectLst>
+                  <a:glow rad="63500">
+                    <a:schemeClr val="tx1"/>
+                  </a:glow>
+                </a:effectLst>
+              </a:rPr>
+              <a:t> </a:t>
+            </a:r>
+            <a:r>
+              <a:rPr lang="ru-RU" sz="1600" b="1" dirty="0" err="1">
+                <a:solidFill>
+                  <a:srgbClr val="00B0F0"/>
+                </a:solidFill>
+                <a:effectLst>
+                  <a:glow rad="63500">
+                    <a:schemeClr val="tx1"/>
+                  </a:glow>
+                </a:effectLst>
+              </a:rPr>
+              <a:t>Activity</a:t>
+            </a:r>
+            <a:r>
+              <a:rPr lang="ru-RU" sz="1600" b="1" dirty="0">
+                <a:solidFill>
+                  <a:srgbClr val="00B0F0"/>
+                </a:solidFill>
+                <a:effectLst>
+                  <a:glow rad="63500">
+                    <a:schemeClr val="tx1"/>
+                  </a:glow>
+                </a:effectLst>
+              </a:rPr>
+              <a:t> – ключевой компонент для создания визуализации интерфейса, форма приложения, с которой взаимодействует пользователь. Активность основного приложения потребуется передать, как параметр в методе инициализации плагина из скрипта C#.</a:t>
+            </a:r>
+            <a:endParaRPr lang="ru-RU" sz="1600" dirty="0"/>
           </a:p>
         </p:txBody>
       </p:sp>
-      <p:pic>
-        <p:nvPicPr>
-          <p:cNvPr id="11" name="Рисунок 10">
-            <a:extLst>
-              <a:ext uri="{FF2B5EF4-FFF2-40B4-BE49-F238E27FC236}">
-                <a16:creationId xmlns:a16="http://schemas.microsoft.com/office/drawing/2014/main" id="{D9C231E6-5925-AF17-DBCE-C37496D7AB0A}"/>
-              </a:ext>
-            </a:extLst>
-          </p:cNvPr>
-          <p:cNvPicPr>
-            <a:picLocks noChangeAspect="1"/>
-          </p:cNvPicPr>
-          <p:nvPr/>
-        </p:nvPicPr>
-        <p:blipFill>
-          <a:blip r:embed="rId7"/>
-          <a:stretch>
-            <a:fillRect/>
-          </a:stretch>
-        </p:blipFill>
-        <p:spPr>
-          <a:xfrm>
-            <a:off x="9175049" y="306614"/>
-            <a:ext cx="1672771" cy="1672771"/>
-          </a:xfrm>
-          <a:prstGeom prst="rect">
-            <a:avLst/>
-          </a:prstGeom>
-        </p:spPr>
-      </p:pic>
-      <p:pic>
-        <p:nvPicPr>
-          <p:cNvPr id="12" name="Рисунок 11">
-            <a:extLst>
-              <a:ext uri="{FF2B5EF4-FFF2-40B4-BE49-F238E27FC236}">
-                <a16:creationId xmlns:a16="http://schemas.microsoft.com/office/drawing/2014/main" id="{DFC06A7C-FB85-7E13-5735-A524A4ABE3F7}"/>
-              </a:ext>
-            </a:extLst>
-          </p:cNvPr>
-          <p:cNvPicPr>
-            <a:picLocks noChangeAspect="1"/>
-          </p:cNvPicPr>
-          <p:nvPr/>
-        </p:nvPicPr>
-        <p:blipFill>
-          <a:blip r:embed="rId6"/>
-          <a:stretch>
-            <a:fillRect/>
-          </a:stretch>
-        </p:blipFill>
-        <p:spPr>
-          <a:xfrm rot="10800000">
-            <a:off x="9368496" y="2786062"/>
-            <a:ext cx="1285875" cy="1285875"/>
-          </a:xfrm>
-          <a:prstGeom prst="rect">
-            <a:avLst/>
-          </a:prstGeom>
-        </p:spPr>
-      </p:pic>
       <p:sp>
         <p:nvSpPr>
-          <p:cNvPr id="13" name="TextBox 12">
-            <a:extLst>
-              <a:ext uri="{FF2B5EF4-FFF2-40B4-BE49-F238E27FC236}">
-                <a16:creationId xmlns:a16="http://schemas.microsoft.com/office/drawing/2014/main" id="{987595D8-1E79-5911-5E09-199D03B70EC9}"/>
+          <p:cNvPr id="37" name="TextBox 36">
+            <a:extLst>
+              <a:ext uri="{FF2B5EF4-FFF2-40B4-BE49-F238E27FC236}">
+                <a16:creationId xmlns:a16="http://schemas.microsoft.com/office/drawing/2014/main" id="{9843FF5A-0CD8-71D8-7ADD-79DEB57D9A56}"/>
               </a:ext>
             </a:extLst>
           </p:cNvPr>
@@ -5917,8 +7439,8 @@
         </p:nvSpPr>
         <p:spPr>
           <a:xfrm>
-            <a:off x="9133080" y="5105398"/>
-            <a:ext cx="1756705" cy="769441"/>
+            <a:off x="126999" y="212510"/>
+            <a:ext cx="3222172" cy="3539430"/>
           </a:xfrm>
           <a:prstGeom prst="rect">
             <a:avLst/>
@@ -5931,102 +7453,123 @@
           </a:bodyPr>
           <a:lstStyle/>
           <a:p>
-            <a:r>
-              <a:rPr lang="en-US" sz="4400" dirty="0">
-                <a:solidFill>
-                  <a:schemeClr val="accent1"/>
-                </a:solidFill>
-                <a:latin typeface="Segoe UI Black" panose="020B0A02040204020203" pitchFamily="34" charset="0"/>
-                <a:ea typeface="Segoe UI Black" panose="020B0A02040204020203" pitchFamily="34" charset="0"/>
-              </a:rPr>
-              <a:t>Static</a:t>
-            </a:r>
-            <a:endParaRPr lang="ru-RU" sz="4400" dirty="0">
-              <a:solidFill>
-                <a:schemeClr val="accent1"/>
-              </a:solidFill>
-              <a:latin typeface="Segoe UI Black" panose="020B0A02040204020203" pitchFamily="34" charset="0"/>
-              <a:ea typeface="Segoe UI Black" panose="020B0A02040204020203" pitchFamily="34" charset="0"/>
-            </a:endParaRPr>
+            <a:pPr algn="just"/>
+            <a:r>
+              <a:rPr lang="ru-RU" sz="1600" b="1" dirty="0" err="1">
+                <a:solidFill>
+                  <a:srgbClr val="00B0F0"/>
+                </a:solidFill>
+                <a:effectLst>
+                  <a:glow rad="63500">
+                    <a:schemeClr val="tx1"/>
+                  </a:glow>
+                </a:effectLst>
+              </a:rPr>
+              <a:t>Context</a:t>
+            </a:r>
+            <a:r>
+              <a:rPr lang="ru-RU" sz="1600" b="1" dirty="0">
+                <a:solidFill>
+                  <a:srgbClr val="00B0F0"/>
+                </a:solidFill>
+                <a:effectLst>
+                  <a:glow rad="63500">
+                    <a:schemeClr val="tx1"/>
+                  </a:glow>
+                </a:effectLst>
+              </a:rPr>
+              <a:t> – интерфейс для глобальной информации о среде приложения. Это абстрактный класс, реализация которого обеспечивается системой </a:t>
+            </a:r>
+            <a:r>
+              <a:rPr lang="ru-RU" sz="1600" b="1" dirty="0" err="1">
+                <a:solidFill>
+                  <a:srgbClr val="00B0F0"/>
+                </a:solidFill>
+                <a:effectLst>
+                  <a:glow rad="63500">
+                    <a:schemeClr val="tx1"/>
+                  </a:glow>
+                </a:effectLst>
+              </a:rPr>
+              <a:t>Android</a:t>
+            </a:r>
+            <a:r>
+              <a:rPr lang="ru-RU" sz="1600" b="1" dirty="0">
+                <a:solidFill>
+                  <a:srgbClr val="00B0F0"/>
+                </a:solidFill>
+                <a:effectLst>
+                  <a:glow rad="63500">
+                    <a:schemeClr val="tx1"/>
+                  </a:glow>
+                </a:effectLst>
+              </a:rPr>
+              <a:t>. Он предоставляет доступ к ресурсам и классам, специфичным для приложения, а также к вызовам для операций уровня приложения, таких как запуск действий, широковещательная рассылка, получение намерений (</a:t>
+            </a:r>
+            <a:r>
+              <a:rPr lang="ru-RU" sz="1600" b="1" dirty="0" err="1">
+                <a:solidFill>
+                  <a:srgbClr val="00B0F0"/>
+                </a:solidFill>
+                <a:effectLst>
+                  <a:glow rad="63500">
+                    <a:schemeClr val="tx1"/>
+                  </a:glow>
+                </a:effectLst>
+              </a:rPr>
+              <a:t>Intent</a:t>
+            </a:r>
+            <a:r>
+              <a:rPr lang="ru-RU" sz="1600" b="1" dirty="0">
+                <a:solidFill>
+                  <a:srgbClr val="00B0F0"/>
+                </a:solidFill>
+                <a:effectLst>
+                  <a:glow rad="63500">
+                    <a:schemeClr val="tx1"/>
+                  </a:glow>
+                </a:effectLst>
+              </a:rPr>
+              <a:t>), и так далее.</a:t>
+            </a:r>
+            <a:endParaRPr lang="ru-RU" sz="1600" dirty="0"/>
           </a:p>
         </p:txBody>
       </p:sp>
-      <p:pic>
-        <p:nvPicPr>
-          <p:cNvPr id="14" name="Рисунок 13">
-            <a:extLst>
-              <a:ext uri="{FF2B5EF4-FFF2-40B4-BE49-F238E27FC236}">
-                <a16:creationId xmlns:a16="http://schemas.microsoft.com/office/drawing/2014/main" id="{019EE48D-BB28-D15C-B423-D7F928942A02}"/>
-              </a:ext>
-            </a:extLst>
-          </p:cNvPr>
-          <p:cNvPicPr>
-            <a:picLocks noChangeAspect="1"/>
-          </p:cNvPicPr>
-          <p:nvPr/>
-        </p:nvPicPr>
-        <p:blipFill>
-          <a:blip r:embed="rId8">
-            <a:extLst>
-              <a:ext uri="{28A0092B-C50C-407E-A947-70E740481C1C}">
-                <a14:useLocalDpi xmlns:a14="http://schemas.microsoft.com/office/drawing/2010/main" val="0"/>
-              </a:ext>
-            </a:extLst>
-          </a:blip>
-          <a:stretch>
-            <a:fillRect/>
-          </a:stretch>
-        </p:blipFill>
-        <p:spPr>
-          <a:xfrm>
-            <a:off x="4583266" y="2190750"/>
-            <a:ext cx="3098800" cy="3098800"/>
-          </a:xfrm>
-          <a:prstGeom prst="rect">
-            <a:avLst/>
-          </a:prstGeom>
-        </p:spPr>
-      </p:pic>
-      <p:pic>
-        <p:nvPicPr>
-          <p:cNvPr id="15" name="Рисунок 14">
-            <a:extLst>
-              <a:ext uri="{FF2B5EF4-FFF2-40B4-BE49-F238E27FC236}">
-                <a16:creationId xmlns:a16="http://schemas.microsoft.com/office/drawing/2014/main" id="{E29F3CCE-2EEF-F983-F00E-ABF4BCA1FD50}"/>
-              </a:ext>
-            </a:extLst>
-          </p:cNvPr>
-          <p:cNvPicPr>
-            <a:picLocks noChangeAspect="1"/>
-          </p:cNvPicPr>
-          <p:nvPr/>
-        </p:nvPicPr>
-        <p:blipFill>
-          <a:blip r:embed="rId9">
-            <a:extLst>
-              <a:ext uri="{28A0092B-C50C-407E-A947-70E740481C1C}">
-                <a14:useLocalDpi xmlns:a14="http://schemas.microsoft.com/office/drawing/2010/main" val="0"/>
-              </a:ext>
-            </a:extLst>
-          </a:blip>
-          <a:stretch>
-            <a:fillRect/>
-          </a:stretch>
-        </p:blipFill>
-        <p:spPr>
-          <a:xfrm>
-            <a:off x="5640994" y="3248478"/>
-            <a:ext cx="983343" cy="983343"/>
-          </a:xfrm>
-          <a:prstGeom prst="rect">
-            <a:avLst/>
-          </a:prstGeom>
-        </p:spPr>
-      </p:pic>
+      <p:sp>
+        <p:nvSpPr>
+          <p:cNvPr id="11" name="Номер слайда 10">
+            <a:extLst>
+              <a:ext uri="{FF2B5EF4-FFF2-40B4-BE49-F238E27FC236}">
+                <a16:creationId xmlns:a16="http://schemas.microsoft.com/office/drawing/2014/main" id="{240DA3E2-BEA6-E9B0-87B4-28B2B8040B90}"/>
+              </a:ext>
+            </a:extLst>
+          </p:cNvPr>
+          <p:cNvSpPr>
+            <a:spLocks noGrp="1"/>
+          </p:cNvSpPr>
+          <p:nvPr>
+            <p:ph type="sldNum" sz="quarter" idx="12"/>
+          </p:nvPr>
+        </p:nvSpPr>
+        <p:spPr/>
+        <p:txBody>
+          <a:bodyPr/>
+          <a:lstStyle/>
+          <a:p>
+            <a:fld id="{0276BA82-E53D-44DC-AD87-BB48D6C3B142}" type="slidenum">
+              <a:rPr lang="ru-RU" smtClean="0"/>
+              <a:pPr/>
+              <a:t>7</a:t>
+            </a:fld>
+            <a:endParaRPr lang="ru-RU" dirty="0"/>
+          </a:p>
+        </p:txBody>
+      </p:sp>
     </p:spTree>
     <p:extLst>
       <p:ext uri="{BB962C8B-B14F-4D97-AF65-F5344CB8AC3E}">
-        <p14:creationId xmlns:p14="http://schemas.microsoft.com/office/powerpoint/2010/main" val="216535464"/>
+        <p14:creationId xmlns:p14="http://schemas.microsoft.com/office/powerpoint/2010/main" val="2903774953"/>
       </p:ext>
     </p:extLst>
   </p:cSld>
@@ -6055,6 +7598,893 @@
       </p:grpSpPr>
       <p:sp>
         <p:nvSpPr>
+          <p:cNvPr id="9" name="Прямоугольник: скругленные углы 8">
+            <a:extLst>
+              <a:ext uri="{FF2B5EF4-FFF2-40B4-BE49-F238E27FC236}">
+                <a16:creationId xmlns:a16="http://schemas.microsoft.com/office/drawing/2014/main" id="{A59D5A35-53B6-D557-AFCD-17D5CEC4D3E4}"/>
+              </a:ext>
+            </a:extLst>
+          </p:cNvPr>
+          <p:cNvSpPr/>
+          <p:nvPr/>
+        </p:nvSpPr>
+        <p:spPr>
+          <a:xfrm>
+            <a:off x="504568" y="4432271"/>
+            <a:ext cx="2962531" cy="673127"/>
+          </a:xfrm>
+          <a:prstGeom prst="roundRect">
+            <a:avLst/>
+          </a:prstGeom>
+        </p:spPr>
+        <p:style>
+          <a:lnRef idx="2">
+            <a:schemeClr val="accent6">
+              <a:shade val="15000"/>
+            </a:schemeClr>
+          </a:lnRef>
+          <a:fillRef idx="1">
+            <a:schemeClr val="accent6"/>
+          </a:fillRef>
+          <a:effectRef idx="0">
+            <a:schemeClr val="accent6"/>
+          </a:effectRef>
+          <a:fontRef idx="minor">
+            <a:schemeClr val="lt1"/>
+          </a:fontRef>
+        </p:style>
+        <p:txBody>
+          <a:bodyPr rtlCol="0" anchor="ctr"/>
+          <a:lstStyle/>
+          <a:p>
+            <a:pPr algn="ctr"/>
+            <a:endParaRPr lang="ru-RU"/>
+          </a:p>
+        </p:txBody>
+      </p:sp>
+      <p:pic>
+        <p:nvPicPr>
+          <p:cNvPr id="2" name="Рисунок 1">
+            <a:extLst>
+              <a:ext uri="{FF2B5EF4-FFF2-40B4-BE49-F238E27FC236}">
+                <a16:creationId xmlns:a16="http://schemas.microsoft.com/office/drawing/2014/main" id="{075A7969-8294-D9DD-1496-E0A451ED757C}"/>
+              </a:ext>
+            </a:extLst>
+          </p:cNvPr>
+          <p:cNvPicPr>
+            <a:picLocks noChangeAspect="1"/>
+          </p:cNvPicPr>
+          <p:nvPr/>
+        </p:nvPicPr>
+        <p:blipFill>
+          <a:blip r:embed="rId2"/>
+          <a:stretch>
+            <a:fillRect/>
+          </a:stretch>
+        </p:blipFill>
+        <p:spPr>
+          <a:xfrm>
+            <a:off x="2942793" y="4618277"/>
+            <a:ext cx="289498" cy="289498"/>
+          </a:xfrm>
+          <a:prstGeom prst="rect">
+            <a:avLst/>
+          </a:prstGeom>
+        </p:spPr>
+      </p:pic>
+      <p:pic>
+        <p:nvPicPr>
+          <p:cNvPr id="3" name="Рисунок 2">
+            <a:extLst>
+              <a:ext uri="{FF2B5EF4-FFF2-40B4-BE49-F238E27FC236}">
+                <a16:creationId xmlns:a16="http://schemas.microsoft.com/office/drawing/2014/main" id="{F11424D9-7E6E-D9F9-F2EA-EB39A7C4B9E5}"/>
+              </a:ext>
+            </a:extLst>
+          </p:cNvPr>
+          <p:cNvPicPr>
+            <a:picLocks noChangeAspect="1"/>
+          </p:cNvPicPr>
+          <p:nvPr/>
+        </p:nvPicPr>
+        <p:blipFill>
+          <a:blip r:embed="rId3"/>
+          <a:stretch>
+            <a:fillRect/>
+          </a:stretch>
+        </p:blipFill>
+        <p:spPr>
+          <a:xfrm>
+            <a:off x="716745" y="4612721"/>
+            <a:ext cx="289498" cy="289498"/>
+          </a:xfrm>
+          <a:prstGeom prst="rect">
+            <a:avLst/>
+          </a:prstGeom>
+        </p:spPr>
+      </p:pic>
+      <p:pic>
+        <p:nvPicPr>
+          <p:cNvPr id="4" name="Рисунок 3">
+            <a:extLst>
+              <a:ext uri="{FF2B5EF4-FFF2-40B4-BE49-F238E27FC236}">
+                <a16:creationId xmlns:a16="http://schemas.microsoft.com/office/drawing/2014/main" id="{581C9829-9BD7-3DF9-0BD2-071A3C8D5910}"/>
+              </a:ext>
+            </a:extLst>
+          </p:cNvPr>
+          <p:cNvPicPr>
+            <a:picLocks noChangeAspect="1"/>
+          </p:cNvPicPr>
+          <p:nvPr/>
+        </p:nvPicPr>
+        <p:blipFill>
+          <a:blip r:embed="rId4"/>
+          <a:stretch>
+            <a:fillRect/>
+          </a:stretch>
+        </p:blipFill>
+        <p:spPr>
+          <a:xfrm>
+            <a:off x="1447719" y="4612721"/>
+            <a:ext cx="289498" cy="289498"/>
+          </a:xfrm>
+          <a:prstGeom prst="rect">
+            <a:avLst/>
+          </a:prstGeom>
+        </p:spPr>
+      </p:pic>
+      <p:pic>
+        <p:nvPicPr>
+          <p:cNvPr id="5" name="Рисунок 4">
+            <a:extLst>
+              <a:ext uri="{FF2B5EF4-FFF2-40B4-BE49-F238E27FC236}">
+                <a16:creationId xmlns:a16="http://schemas.microsoft.com/office/drawing/2014/main" id="{4B074081-BE3F-B6FF-7C78-CAD1A2FF2DD5}"/>
+              </a:ext>
+            </a:extLst>
+          </p:cNvPr>
+          <p:cNvPicPr>
+            <a:picLocks noChangeAspect="1"/>
+          </p:cNvPicPr>
+          <p:nvPr/>
+        </p:nvPicPr>
+        <p:blipFill>
+          <a:blip r:embed="rId5"/>
+          <a:stretch>
+            <a:fillRect/>
+          </a:stretch>
+        </p:blipFill>
+        <p:spPr>
+          <a:xfrm>
+            <a:off x="2178607" y="4604766"/>
+            <a:ext cx="328135" cy="328135"/>
+          </a:xfrm>
+          <a:prstGeom prst="rect">
+            <a:avLst/>
+          </a:prstGeom>
+        </p:spPr>
+      </p:pic>
+      <p:pic>
+        <p:nvPicPr>
+          <p:cNvPr id="7" name="Рисунок 6">
+            <a:extLst>
+              <a:ext uri="{FF2B5EF4-FFF2-40B4-BE49-F238E27FC236}">
+                <a16:creationId xmlns:a16="http://schemas.microsoft.com/office/drawing/2014/main" id="{E07D5BE0-488A-62D3-6860-325EE7896C0C}"/>
+              </a:ext>
+            </a:extLst>
+          </p:cNvPr>
+          <p:cNvPicPr>
+            <a:picLocks noChangeAspect="1"/>
+          </p:cNvPicPr>
+          <p:nvPr/>
+        </p:nvPicPr>
+        <p:blipFill>
+          <a:blip r:embed="rId6"/>
+          <a:stretch>
+            <a:fillRect/>
+          </a:stretch>
+        </p:blipFill>
+        <p:spPr>
+          <a:xfrm rot="10800000">
+            <a:off x="1592468" y="5421019"/>
+            <a:ext cx="586139" cy="586139"/>
+          </a:xfrm>
+          <a:prstGeom prst="rect">
+            <a:avLst/>
+          </a:prstGeom>
+        </p:spPr>
+      </p:pic>
+      <p:sp>
+        <p:nvSpPr>
+          <p:cNvPr id="10" name="TextBox 9">
+            <a:extLst>
+              <a:ext uri="{FF2B5EF4-FFF2-40B4-BE49-F238E27FC236}">
+                <a16:creationId xmlns:a16="http://schemas.microsoft.com/office/drawing/2014/main" id="{41C7B7AA-0C64-3884-9581-0AF088A3F17F}"/>
+              </a:ext>
+            </a:extLst>
+          </p:cNvPr>
+          <p:cNvSpPr txBox="1"/>
+          <p:nvPr/>
+        </p:nvSpPr>
+        <p:spPr>
+          <a:xfrm>
+            <a:off x="1035801" y="6091946"/>
+            <a:ext cx="1699472" cy="461665"/>
+          </a:xfrm>
+          <a:prstGeom prst="rect">
+            <a:avLst/>
+          </a:prstGeom>
+          <a:noFill/>
+        </p:spPr>
+        <p:txBody>
+          <a:bodyPr wrap="square" rtlCol="0">
+            <a:spAutoFit/>
+          </a:bodyPr>
+          <a:lstStyle/>
+          <a:p>
+            <a:r>
+              <a:rPr lang="en-US" sz="2400" dirty="0">
+                <a:solidFill>
+                  <a:schemeClr val="accent6"/>
+                </a:solidFill>
+                <a:latin typeface="Segoe UI Black" panose="020B0A02040204020203" pitchFamily="34" charset="0"/>
+                <a:ea typeface="Segoe UI Black" panose="020B0A02040204020203" pitchFamily="34" charset="0"/>
+              </a:rPr>
+              <a:t>Singleton</a:t>
+            </a:r>
+            <a:endParaRPr lang="ru-RU" sz="2400" dirty="0">
+              <a:solidFill>
+                <a:schemeClr val="accent6"/>
+              </a:solidFill>
+              <a:latin typeface="Segoe UI Black" panose="020B0A02040204020203" pitchFamily="34" charset="0"/>
+              <a:ea typeface="Segoe UI Black" panose="020B0A02040204020203" pitchFamily="34" charset="0"/>
+            </a:endParaRPr>
+          </a:p>
+        </p:txBody>
+      </p:sp>
+      <p:pic>
+        <p:nvPicPr>
+          <p:cNvPr id="11" name="Рисунок 10">
+            <a:extLst>
+              <a:ext uri="{FF2B5EF4-FFF2-40B4-BE49-F238E27FC236}">
+                <a16:creationId xmlns:a16="http://schemas.microsoft.com/office/drawing/2014/main" id="{D9C231E6-5925-AF17-DBCE-C37496D7AB0A}"/>
+              </a:ext>
+            </a:extLst>
+          </p:cNvPr>
+          <p:cNvPicPr>
+            <a:picLocks noChangeAspect="1"/>
+          </p:cNvPicPr>
+          <p:nvPr/>
+        </p:nvPicPr>
+        <p:blipFill>
+          <a:blip r:embed="rId7"/>
+          <a:stretch>
+            <a:fillRect/>
+          </a:stretch>
+        </p:blipFill>
+        <p:spPr>
+          <a:xfrm>
+            <a:off x="9919344" y="4370352"/>
+            <a:ext cx="774236" cy="774236"/>
+          </a:xfrm>
+          <a:prstGeom prst="rect">
+            <a:avLst/>
+          </a:prstGeom>
+        </p:spPr>
+      </p:pic>
+      <p:pic>
+        <p:nvPicPr>
+          <p:cNvPr id="12" name="Рисунок 11">
+            <a:extLst>
+              <a:ext uri="{FF2B5EF4-FFF2-40B4-BE49-F238E27FC236}">
+                <a16:creationId xmlns:a16="http://schemas.microsoft.com/office/drawing/2014/main" id="{DFC06A7C-FB85-7E13-5735-A524A4ABE3F7}"/>
+              </a:ext>
+            </a:extLst>
+          </p:cNvPr>
+          <p:cNvPicPr>
+            <a:picLocks noChangeAspect="1"/>
+          </p:cNvPicPr>
+          <p:nvPr/>
+        </p:nvPicPr>
+        <p:blipFill>
+          <a:blip r:embed="rId6"/>
+          <a:stretch>
+            <a:fillRect/>
+          </a:stretch>
+        </p:blipFill>
+        <p:spPr>
+          <a:xfrm rot="10800000">
+            <a:off x="9959987" y="5341287"/>
+            <a:ext cx="608671" cy="608671"/>
+          </a:xfrm>
+          <a:prstGeom prst="rect">
+            <a:avLst/>
+          </a:prstGeom>
+        </p:spPr>
+      </p:pic>
+      <p:sp>
+        <p:nvSpPr>
+          <p:cNvPr id="13" name="TextBox 12">
+            <a:extLst>
+              <a:ext uri="{FF2B5EF4-FFF2-40B4-BE49-F238E27FC236}">
+                <a16:creationId xmlns:a16="http://schemas.microsoft.com/office/drawing/2014/main" id="{987595D8-1E79-5911-5E09-199D03B70EC9}"/>
+              </a:ext>
+            </a:extLst>
+          </p:cNvPr>
+          <p:cNvSpPr txBox="1"/>
+          <p:nvPr/>
+        </p:nvSpPr>
+        <p:spPr>
+          <a:xfrm>
+            <a:off x="9815227" y="6135115"/>
+            <a:ext cx="1030573" cy="461665"/>
+          </a:xfrm>
+          <a:prstGeom prst="rect">
+            <a:avLst/>
+          </a:prstGeom>
+          <a:noFill/>
+        </p:spPr>
+        <p:txBody>
+          <a:bodyPr wrap="square" rtlCol="0">
+            <a:spAutoFit/>
+          </a:bodyPr>
+          <a:lstStyle/>
+          <a:p>
+            <a:r>
+              <a:rPr lang="en-US" sz="2400" dirty="0">
+                <a:solidFill>
+                  <a:schemeClr val="accent1"/>
+                </a:solidFill>
+                <a:latin typeface="Segoe UI Black" panose="020B0A02040204020203" pitchFamily="34" charset="0"/>
+                <a:ea typeface="Segoe UI Black" panose="020B0A02040204020203" pitchFamily="34" charset="0"/>
+              </a:rPr>
+              <a:t>Static</a:t>
+            </a:r>
+            <a:endParaRPr lang="ru-RU" sz="4400" dirty="0">
+              <a:solidFill>
+                <a:schemeClr val="accent1"/>
+              </a:solidFill>
+              <a:latin typeface="Segoe UI Black" panose="020B0A02040204020203" pitchFamily="34" charset="0"/>
+              <a:ea typeface="Segoe UI Black" panose="020B0A02040204020203" pitchFamily="34" charset="0"/>
+            </a:endParaRPr>
+          </a:p>
+        </p:txBody>
+      </p:sp>
+      <p:pic>
+        <p:nvPicPr>
+          <p:cNvPr id="14" name="Рисунок 13">
+            <a:extLst>
+              <a:ext uri="{FF2B5EF4-FFF2-40B4-BE49-F238E27FC236}">
+                <a16:creationId xmlns:a16="http://schemas.microsoft.com/office/drawing/2014/main" id="{019EE48D-BB28-D15C-B423-D7F928942A02}"/>
+              </a:ext>
+            </a:extLst>
+          </p:cNvPr>
+          <p:cNvPicPr>
+            <a:picLocks noChangeAspect="1"/>
+          </p:cNvPicPr>
+          <p:nvPr/>
+        </p:nvPicPr>
+        <p:blipFill>
+          <a:blip r:embed="rId8">
+            <a:extLst>
+              <a:ext uri="{28A0092B-C50C-407E-A947-70E740481C1C}">
+                <a14:useLocalDpi xmlns:a14="http://schemas.microsoft.com/office/drawing/2010/main" val="0"/>
+              </a:ext>
+            </a:extLst>
+          </a:blip>
+          <a:stretch>
+            <a:fillRect/>
+          </a:stretch>
+        </p:blipFill>
+        <p:spPr>
+          <a:xfrm>
+            <a:off x="5591749" y="5366475"/>
+            <a:ext cx="1166966" cy="1166966"/>
+          </a:xfrm>
+          <a:prstGeom prst="rect">
+            <a:avLst/>
+          </a:prstGeom>
+        </p:spPr>
+      </p:pic>
+      <p:pic>
+        <p:nvPicPr>
+          <p:cNvPr id="15" name="Рисунок 14">
+            <a:extLst>
+              <a:ext uri="{FF2B5EF4-FFF2-40B4-BE49-F238E27FC236}">
+                <a16:creationId xmlns:a16="http://schemas.microsoft.com/office/drawing/2014/main" id="{E29F3CCE-2EEF-F983-F00E-ABF4BCA1FD50}"/>
+              </a:ext>
+            </a:extLst>
+          </p:cNvPr>
+          <p:cNvPicPr>
+            <a:picLocks noChangeAspect="1"/>
+          </p:cNvPicPr>
+          <p:nvPr/>
+        </p:nvPicPr>
+        <p:blipFill>
+          <a:blip r:embed="rId9">
+            <a:extLst>
+              <a:ext uri="{28A0092B-C50C-407E-A947-70E740481C1C}">
+                <a14:useLocalDpi xmlns:a14="http://schemas.microsoft.com/office/drawing/2010/main" val="0"/>
+              </a:ext>
+            </a:extLst>
+          </a:blip>
+          <a:stretch>
+            <a:fillRect/>
+          </a:stretch>
+        </p:blipFill>
+        <p:spPr>
+          <a:xfrm>
+            <a:off x="5990075" y="5764801"/>
+            <a:ext cx="370314" cy="370314"/>
+          </a:xfrm>
+          <a:prstGeom prst="rect">
+            <a:avLst/>
+          </a:prstGeom>
+        </p:spPr>
+      </p:pic>
+      <p:sp>
+        <p:nvSpPr>
+          <p:cNvPr id="8" name="Прямоугольник: усеченные верхние углы 7">
+            <a:extLst>
+              <a:ext uri="{FF2B5EF4-FFF2-40B4-BE49-F238E27FC236}">
+                <a16:creationId xmlns:a16="http://schemas.microsoft.com/office/drawing/2014/main" id="{E5E1DEC2-C1E8-0FA1-5318-5EEA41673FEA}"/>
+              </a:ext>
+            </a:extLst>
+          </p:cNvPr>
+          <p:cNvSpPr/>
+          <p:nvPr/>
+        </p:nvSpPr>
+        <p:spPr>
+          <a:xfrm>
+            <a:off x="504569" y="285444"/>
+            <a:ext cx="2962531" cy="3801613"/>
+          </a:xfrm>
+          <a:prstGeom prst="snip2SameRect">
+            <a:avLst/>
+          </a:prstGeom>
+        </p:spPr>
+        <p:style>
+          <a:lnRef idx="2">
+            <a:schemeClr val="accent1">
+              <a:shade val="15000"/>
+            </a:schemeClr>
+          </a:lnRef>
+          <a:fillRef idx="1">
+            <a:schemeClr val="accent1"/>
+          </a:fillRef>
+          <a:effectRef idx="0">
+            <a:schemeClr val="accent1"/>
+          </a:effectRef>
+          <a:fontRef idx="minor">
+            <a:schemeClr val="lt1"/>
+          </a:fontRef>
+        </p:style>
+        <p:txBody>
+          <a:bodyPr rtlCol="0" anchor="ctr"/>
+          <a:lstStyle/>
+          <a:p>
+            <a:r>
+              <a:rPr lang="ru-RU" sz="1400" dirty="0">
+                <a:effectLst>
+                  <a:glow rad="63500">
+                    <a:schemeClr val="tx1">
+                      <a:alpha val="40000"/>
+                    </a:schemeClr>
+                  </a:glow>
+                </a:effectLst>
+                <a:latin typeface="Segoe UI Black" panose="020B0A02040204020203" pitchFamily="34" charset="0"/>
+                <a:ea typeface="Segoe UI Black" panose="020B0A02040204020203" pitchFamily="34" charset="0"/>
+              </a:rPr>
+              <a:t>Если важна точность исполнения всех вызовов плагина, сохранение состояний объектов и возврат результата, например, постоянное обращение к файловой системе или отправка данных по Bluetooth с сохранением подключения к устройству, то стоит использовать паттерн проектирования </a:t>
+            </a:r>
+            <a:r>
+              <a:rPr lang="ru-RU" sz="1400" dirty="0" err="1">
+                <a:effectLst>
+                  <a:glow rad="63500">
+                    <a:schemeClr val="tx1">
+                      <a:alpha val="40000"/>
+                    </a:schemeClr>
+                  </a:glow>
+                </a:effectLst>
+                <a:latin typeface="Segoe UI Black" panose="020B0A02040204020203" pitchFamily="34" charset="0"/>
+                <a:ea typeface="Segoe UI Black" panose="020B0A02040204020203" pitchFamily="34" charset="0"/>
+              </a:rPr>
+              <a:t>Singleton</a:t>
+            </a:r>
+            <a:r>
+              <a:rPr lang="ru-RU" sz="1400" dirty="0">
+                <a:effectLst>
+                  <a:glow rad="63500">
+                    <a:schemeClr val="tx1">
+                      <a:alpha val="40000"/>
+                    </a:schemeClr>
+                  </a:glow>
+                </a:effectLst>
+                <a:latin typeface="Segoe UI Black" panose="020B0A02040204020203" pitchFamily="34" charset="0"/>
+                <a:ea typeface="Segoe UI Black" panose="020B0A02040204020203" pitchFamily="34" charset="0"/>
+              </a:rPr>
+              <a:t>.</a:t>
+            </a:r>
+            <a:endParaRPr lang="ru-RU" sz="1400" dirty="0"/>
+          </a:p>
+        </p:txBody>
+      </p:sp>
+      <p:sp>
+        <p:nvSpPr>
+          <p:cNvPr id="16" name="Прямоугольник: усеченные верхние углы 15">
+            <a:extLst>
+              <a:ext uri="{FF2B5EF4-FFF2-40B4-BE49-F238E27FC236}">
+                <a16:creationId xmlns:a16="http://schemas.microsoft.com/office/drawing/2014/main" id="{50C63C09-2DB6-2201-3D43-9951C7DE768E}"/>
+              </a:ext>
+            </a:extLst>
+          </p:cNvPr>
+          <p:cNvSpPr/>
+          <p:nvPr/>
+        </p:nvSpPr>
+        <p:spPr>
+          <a:xfrm>
+            <a:off x="8724902" y="285444"/>
+            <a:ext cx="2962531" cy="3801613"/>
+          </a:xfrm>
+          <a:prstGeom prst="snip2SameRect">
+            <a:avLst/>
+          </a:prstGeom>
+        </p:spPr>
+        <p:style>
+          <a:lnRef idx="2">
+            <a:schemeClr val="accent1">
+              <a:shade val="15000"/>
+            </a:schemeClr>
+          </a:lnRef>
+          <a:fillRef idx="1">
+            <a:schemeClr val="accent1"/>
+          </a:fillRef>
+          <a:effectRef idx="0">
+            <a:schemeClr val="accent1"/>
+          </a:effectRef>
+          <a:fontRef idx="minor">
+            <a:schemeClr val="lt1"/>
+          </a:fontRef>
+        </p:style>
+        <p:txBody>
+          <a:bodyPr rtlCol="0" anchor="ctr"/>
+          <a:lstStyle/>
+          <a:p>
+            <a:pPr algn="r"/>
+            <a:r>
+              <a:rPr lang="ru-RU" sz="1400" dirty="0">
+                <a:effectLst>
+                  <a:glow rad="63500">
+                    <a:schemeClr val="tx1">
+                      <a:alpha val="40000"/>
+                    </a:schemeClr>
+                  </a:glow>
+                </a:effectLst>
+                <a:latin typeface="Segoe UI Black" panose="020B0A02040204020203" pitchFamily="34" charset="0"/>
+                <a:ea typeface="Segoe UI Black" panose="020B0A02040204020203" pitchFamily="34" charset="0"/>
+              </a:rPr>
+              <a:t>Если сохранение состояния не настолько важно, и нужно лишь иногда обращаться к </a:t>
+            </a:r>
+            <a:r>
+              <a:rPr lang="ru-RU" sz="1400" dirty="0" err="1">
+                <a:effectLst>
+                  <a:glow rad="63500">
+                    <a:schemeClr val="tx1">
+                      <a:alpha val="40000"/>
+                    </a:schemeClr>
+                  </a:glow>
+                </a:effectLst>
+                <a:latin typeface="Segoe UI Black" panose="020B0A02040204020203" pitchFamily="34" charset="0"/>
+                <a:ea typeface="Segoe UI Black" panose="020B0A02040204020203" pitchFamily="34" charset="0"/>
+              </a:rPr>
+              <a:t>Android</a:t>
+            </a:r>
+            <a:r>
+              <a:rPr lang="ru-RU" sz="1400" dirty="0">
+                <a:effectLst>
+                  <a:glow rad="63500">
+                    <a:schemeClr val="tx1">
+                      <a:alpha val="40000"/>
+                    </a:schemeClr>
+                  </a:glow>
+                </a:effectLst>
+                <a:latin typeface="Segoe UI Black" panose="020B0A02040204020203" pitchFamily="34" charset="0"/>
+                <a:ea typeface="Segoe UI Black" panose="020B0A02040204020203" pitchFamily="34" charset="0"/>
+              </a:rPr>
+              <a:t> API, например, вывести «</a:t>
+            </a:r>
+            <a:r>
+              <a:rPr lang="ru-RU" sz="1400" dirty="0" err="1">
+                <a:effectLst>
+                  <a:glow rad="63500">
+                    <a:schemeClr val="tx1">
+                      <a:alpha val="40000"/>
+                    </a:schemeClr>
+                  </a:glow>
+                </a:effectLst>
+                <a:latin typeface="Segoe UI Black" panose="020B0A02040204020203" pitchFamily="34" charset="0"/>
+                <a:ea typeface="Segoe UI Black" panose="020B0A02040204020203" pitchFamily="34" charset="0"/>
+              </a:rPr>
+              <a:t>Pop-up</a:t>
+            </a:r>
+            <a:r>
+              <a:rPr lang="ru-RU" sz="1400" dirty="0">
+                <a:effectLst>
+                  <a:glow rad="63500">
+                    <a:schemeClr val="tx1">
+                      <a:alpha val="40000"/>
+                    </a:schemeClr>
+                  </a:glow>
+                </a:effectLst>
+                <a:latin typeface="Segoe UI Black" panose="020B0A02040204020203" pitchFamily="34" charset="0"/>
+                <a:ea typeface="Segoe UI Black" panose="020B0A02040204020203" pitchFamily="34" charset="0"/>
+              </a:rPr>
+              <a:t>» о какой-либо ошибке или вести «</a:t>
+            </a:r>
+            <a:r>
+              <a:rPr lang="ru-RU" sz="1400" dirty="0" err="1">
+                <a:effectLst>
+                  <a:glow rad="63500">
+                    <a:schemeClr val="tx1">
+                      <a:alpha val="40000"/>
+                    </a:schemeClr>
+                  </a:glow>
+                </a:effectLst>
+                <a:latin typeface="Segoe UI Black" panose="020B0A02040204020203" pitchFamily="34" charset="0"/>
+                <a:ea typeface="Segoe UI Black" panose="020B0A02040204020203" pitchFamily="34" charset="0"/>
+              </a:rPr>
+              <a:t>LogCat</a:t>
+            </a:r>
+            <a:r>
+              <a:rPr lang="ru-RU" sz="1400" dirty="0">
+                <a:effectLst>
+                  <a:glow rad="63500">
+                    <a:schemeClr val="tx1">
+                      <a:alpha val="40000"/>
+                    </a:schemeClr>
+                  </a:glow>
+                </a:effectLst>
+                <a:latin typeface="Segoe UI Black" panose="020B0A02040204020203" pitchFamily="34" charset="0"/>
+                <a:ea typeface="Segoe UI Black" panose="020B0A02040204020203" pitchFamily="34" charset="0"/>
+              </a:rPr>
+              <a:t>» с пользовательскими тегами, то достаточно будет реализовать всё в статических методах.</a:t>
+            </a:r>
+            <a:endParaRPr lang="ru-RU" sz="1400" dirty="0"/>
+          </a:p>
+        </p:txBody>
+      </p:sp>
+      <p:sp>
+        <p:nvSpPr>
+          <p:cNvPr id="17" name="Прямоугольник: усеченные верхние углы 16">
+            <a:extLst>
+              <a:ext uri="{FF2B5EF4-FFF2-40B4-BE49-F238E27FC236}">
+                <a16:creationId xmlns:a16="http://schemas.microsoft.com/office/drawing/2014/main" id="{5A819E6F-A6C8-320D-13AE-AE52B349C225}"/>
+              </a:ext>
+            </a:extLst>
+          </p:cNvPr>
+          <p:cNvSpPr/>
+          <p:nvPr/>
+        </p:nvSpPr>
+        <p:spPr>
+          <a:xfrm>
+            <a:off x="4693966" y="360556"/>
+            <a:ext cx="2962531" cy="4784032"/>
+          </a:xfrm>
+          <a:prstGeom prst="snip2SameRect">
+            <a:avLst/>
+          </a:prstGeom>
+        </p:spPr>
+        <p:style>
+          <a:lnRef idx="2">
+            <a:schemeClr val="accent1">
+              <a:shade val="15000"/>
+            </a:schemeClr>
+          </a:lnRef>
+          <a:fillRef idx="1">
+            <a:schemeClr val="accent1"/>
+          </a:fillRef>
+          <a:effectRef idx="0">
+            <a:schemeClr val="accent1"/>
+          </a:effectRef>
+          <a:fontRef idx="minor">
+            <a:schemeClr val="lt1"/>
+          </a:fontRef>
+        </p:style>
+        <p:txBody>
+          <a:bodyPr rtlCol="0" anchor="ctr"/>
+          <a:lstStyle/>
+          <a:p>
+            <a:pPr algn="just"/>
+            <a:r>
+              <a:rPr lang="ru-RU" sz="1400" dirty="0">
+                <a:effectLst>
+                  <a:glow rad="63500">
+                    <a:schemeClr val="tx1">
+                      <a:alpha val="40000"/>
+                    </a:schemeClr>
+                  </a:glow>
+                </a:effectLst>
+                <a:latin typeface="Segoe UI Black" panose="020B0A02040204020203" pitchFamily="34" charset="0"/>
+                <a:ea typeface="Segoe UI Black" panose="020B0A02040204020203" pitchFamily="34" charset="0"/>
+              </a:rPr>
+              <a:t>Если нужно единожды вызвать API, который не отвечает за важные решения операционной системы, то пользовательский Java-плагин создавать не обязательно. Можно объявить и инициализировать какой-либо класс </a:t>
+            </a:r>
+            <a:r>
+              <a:rPr lang="ru-RU" sz="1400" dirty="0" err="1">
+                <a:effectLst>
+                  <a:glow rad="63500">
+                    <a:schemeClr val="tx1">
+                      <a:alpha val="40000"/>
+                    </a:schemeClr>
+                  </a:glow>
+                </a:effectLst>
+                <a:latin typeface="Segoe UI Black" panose="020B0A02040204020203" pitchFamily="34" charset="0"/>
+                <a:ea typeface="Segoe UI Black" panose="020B0A02040204020203" pitchFamily="34" charset="0"/>
+              </a:rPr>
+              <a:t>Android</a:t>
+            </a:r>
+            <a:r>
+              <a:rPr lang="ru-RU" sz="1400" dirty="0">
+                <a:effectLst>
+                  <a:glow rad="63500">
+                    <a:schemeClr val="tx1">
+                      <a:alpha val="40000"/>
+                    </a:schemeClr>
+                  </a:glow>
+                </a:effectLst>
+                <a:latin typeface="Segoe UI Black" panose="020B0A02040204020203" pitchFamily="34" charset="0"/>
+                <a:ea typeface="Segoe UI Black" panose="020B0A02040204020203" pitchFamily="34" charset="0"/>
+              </a:rPr>
+              <a:t> API в классе «</a:t>
+            </a:r>
+            <a:r>
+              <a:rPr lang="ru-RU" sz="1400" dirty="0" err="1">
+                <a:effectLst>
+                  <a:glow rad="63500">
+                    <a:schemeClr val="tx1">
+                      <a:alpha val="40000"/>
+                    </a:schemeClr>
+                  </a:glow>
+                </a:effectLst>
+                <a:latin typeface="Segoe UI Black" panose="020B0A02040204020203" pitchFamily="34" charset="0"/>
+                <a:ea typeface="Segoe UI Black" panose="020B0A02040204020203" pitchFamily="34" charset="0"/>
+              </a:rPr>
+              <a:t>AndroidJavaClass</a:t>
+            </a:r>
+            <a:r>
+              <a:rPr lang="ru-RU" sz="1400" dirty="0">
+                <a:effectLst>
+                  <a:glow rad="63500">
+                    <a:schemeClr val="tx1">
+                      <a:alpha val="40000"/>
+                    </a:schemeClr>
+                  </a:glow>
+                </a:effectLst>
+                <a:latin typeface="Segoe UI Black" panose="020B0A02040204020203" pitchFamily="34" charset="0"/>
+                <a:ea typeface="Segoe UI Black" panose="020B0A02040204020203" pitchFamily="34" charset="0"/>
+              </a:rPr>
+              <a:t>», вызвать нужный метод, после чего </a:t>
+            </a:r>
+            <a:r>
+              <a:rPr lang="ru-RU" sz="1400" dirty="0" err="1">
+                <a:effectLst>
+                  <a:glow rad="63500">
+                    <a:schemeClr val="tx1">
+                      <a:alpha val="40000"/>
+                    </a:schemeClr>
+                  </a:glow>
+                </a:effectLst>
+                <a:latin typeface="Segoe UI Black" panose="020B0A02040204020203" pitchFamily="34" charset="0"/>
+                <a:ea typeface="Segoe UI Black" panose="020B0A02040204020203" pitchFamily="34" charset="0"/>
+              </a:rPr>
+              <a:t>Garbage</a:t>
+            </a:r>
+            <a:r>
+              <a:rPr lang="ru-RU" sz="1400" dirty="0">
+                <a:effectLst>
+                  <a:glow rad="63500">
+                    <a:schemeClr val="tx1">
+                      <a:alpha val="40000"/>
+                    </a:schemeClr>
+                  </a:glow>
+                </a:effectLst>
+                <a:latin typeface="Segoe UI Black" panose="020B0A02040204020203" pitchFamily="34" charset="0"/>
+                <a:ea typeface="Segoe UI Black" panose="020B0A02040204020203" pitchFamily="34" charset="0"/>
+              </a:rPr>
+              <a:t> </a:t>
+            </a:r>
+            <a:r>
+              <a:rPr lang="ru-RU" sz="1400" dirty="0" err="1">
+                <a:effectLst>
+                  <a:glow rad="63500">
+                    <a:schemeClr val="tx1">
+                      <a:alpha val="40000"/>
+                    </a:schemeClr>
+                  </a:glow>
+                </a:effectLst>
+                <a:latin typeface="Segoe UI Black" panose="020B0A02040204020203" pitchFamily="34" charset="0"/>
+                <a:ea typeface="Segoe UI Black" panose="020B0A02040204020203" pitchFamily="34" charset="0"/>
+              </a:rPr>
+              <a:t>collector</a:t>
+            </a:r>
+            <a:r>
+              <a:rPr lang="ru-RU" sz="1400" dirty="0">
+                <a:effectLst>
+                  <a:glow rad="63500">
+                    <a:schemeClr val="tx1">
+                      <a:alpha val="40000"/>
+                    </a:schemeClr>
+                  </a:glow>
+                </a:effectLst>
+                <a:latin typeface="Segoe UI Black" panose="020B0A02040204020203" pitchFamily="34" charset="0"/>
+                <a:ea typeface="Segoe UI Black" panose="020B0A02040204020203" pitchFamily="34" charset="0"/>
+              </a:rPr>
+              <a:t> очистит выделенную память. Этот способ не оптимизированный, но быстрый для реализации.</a:t>
+            </a:r>
+            <a:endParaRPr lang="ru-RU" sz="1400" dirty="0"/>
+          </a:p>
+        </p:txBody>
+      </p:sp>
+      <p:sp>
+        <p:nvSpPr>
+          <p:cNvPr id="19" name="Номер слайда 18">
+            <a:extLst>
+              <a:ext uri="{FF2B5EF4-FFF2-40B4-BE49-F238E27FC236}">
+                <a16:creationId xmlns:a16="http://schemas.microsoft.com/office/drawing/2014/main" id="{96AAAC4A-BFB5-B19A-831D-3133AF252E72}"/>
+              </a:ext>
+            </a:extLst>
+          </p:cNvPr>
+          <p:cNvSpPr>
+            <a:spLocks noGrp="1"/>
+          </p:cNvSpPr>
+          <p:nvPr>
+            <p:ph type="sldNum" sz="quarter" idx="12"/>
+          </p:nvPr>
+        </p:nvSpPr>
+        <p:spPr/>
+        <p:txBody>
+          <a:bodyPr/>
+          <a:lstStyle/>
+          <a:p>
+            <a:fld id="{0276BA82-E53D-44DC-AD87-BB48D6C3B142}" type="slidenum">
+              <a:rPr lang="ru-RU" smtClean="0"/>
+              <a:pPr/>
+              <a:t>8</a:t>
+            </a:fld>
+            <a:endParaRPr lang="ru-RU" dirty="0"/>
+          </a:p>
+        </p:txBody>
+      </p:sp>
+    </p:spTree>
+    <p:extLst>
+      <p:ext uri="{BB962C8B-B14F-4D97-AF65-F5344CB8AC3E}">
+        <p14:creationId xmlns:p14="http://schemas.microsoft.com/office/powerpoint/2010/main" val="216535464"/>
+      </p:ext>
+    </p:extLst>
+  </p:cSld>
+  <p:clrMapOvr>
+    <a:masterClrMapping/>
+  </p:clrMapOvr>
+</p:sld>
+</file>
+
+<file path=ppt/slides/slide9.xml><?xml version="1.0" encoding="utf-8"?>
+<p:sld xmlns:a="http://schemas.openxmlformats.org/drawingml/2006/main" xmlns:r="http://schemas.openxmlformats.org/officeDocument/2006/relationships" xmlns:p="http://schemas.openxmlformats.org/presentationml/2006/main">
+  <p:cSld>
+    <p:spTree>
+      <p:nvGrpSpPr>
+        <p:cNvPr id="1" name=""/>
+        <p:cNvGrpSpPr/>
+        <p:nvPr/>
+      </p:nvGrpSpPr>
+      <p:grpSpPr>
+        <a:xfrm>
+          <a:off x="0" y="0"/>
+          <a:ext cx="0" cy="0"/>
+          <a:chOff x="0" y="0"/>
+          <a:chExt cx="0" cy="0"/>
+        </a:xfrm>
+      </p:grpSpPr>
+      <p:sp>
+        <p:nvSpPr>
           <p:cNvPr id="4" name="Rectangle 2">
             <a:extLst>
               <a:ext uri="{FF2B5EF4-FFF2-40B4-BE49-F238E27FC236}">
@@ -8048,6 +10478,36 @@
               <a:effectLst/>
               <a:latin typeface="Arial" panose="020B0604020202020204" pitchFamily="34" charset="0"/>
             </a:endParaRPr>
+          </a:p>
+        </p:txBody>
+      </p:sp>
+      <p:sp>
+        <p:nvSpPr>
+          <p:cNvPr id="5" name="Номер слайда 4">
+            <a:extLst>
+              <a:ext uri="{FF2B5EF4-FFF2-40B4-BE49-F238E27FC236}">
+                <a16:creationId xmlns:a16="http://schemas.microsoft.com/office/drawing/2014/main" id="{35706A90-5742-05B7-C770-5477104F064F}"/>
+              </a:ext>
+            </a:extLst>
+          </p:cNvPr>
+          <p:cNvSpPr>
+            <a:spLocks noGrp="1"/>
+          </p:cNvSpPr>
+          <p:nvPr>
+            <p:ph type="sldNum" sz="quarter" idx="12"/>
+          </p:nvPr>
+        </p:nvSpPr>
+        <p:spPr/>
+        <p:txBody>
+          <a:bodyPr/>
+          <a:lstStyle/>
+          <a:p>
+            <a:fld id="{0276BA82-E53D-44DC-AD87-BB48D6C3B142}" type="slidenum">
+              <a:rPr lang="ru-RU" smtClean="0"/>
+              <a:pPr/>
+              <a:t>9</a:t>
+            </a:fld>
+            <a:endParaRPr lang="ru-RU" dirty="0"/>
           </a:p>
         </p:txBody>
       </p:sp>
@@ -8357,4 +10817,299 @@
     </a:ext>
   </a:extLst>
 </a:theme>
+</file>
+
+<file path=ppt/theme/theme2.xml><?xml version="1.0" encoding="utf-8"?>
+<a:theme xmlns:a="http://schemas.openxmlformats.org/drawingml/2006/main" name="Тема Office">
+  <a:themeElements>
+    <a:clrScheme name="Стандартная">
+      <a:dk1>
+        <a:sysClr val="windowText" lastClr="000000"/>
+      </a:dk1>
+      <a:lt1>
+        <a:sysClr val="window" lastClr="FFFFFF"/>
+      </a:lt1>
+      <a:dk2>
+        <a:srgbClr val="44546A"/>
+      </a:dk2>
+      <a:lt2>
+        <a:srgbClr val="E7E6E6"/>
+      </a:lt2>
+      <a:accent1>
+        <a:srgbClr val="4472C4"/>
+      </a:accent1>
+      <a:accent2>
+        <a:srgbClr val="ED7D31"/>
+      </a:accent2>
+      <a:accent3>
+        <a:srgbClr val="A5A5A5"/>
+      </a:accent3>
+      <a:accent4>
+        <a:srgbClr val="FFC000"/>
+      </a:accent4>
+      <a:accent5>
+        <a:srgbClr val="5B9BD5"/>
+      </a:accent5>
+      <a:accent6>
+        <a:srgbClr val="70AD47"/>
+      </a:accent6>
+      <a:hlink>
+        <a:srgbClr val="0563C1"/>
+      </a:hlink>
+      <a:folHlink>
+        <a:srgbClr val="954F72"/>
+      </a:folHlink>
+    </a:clrScheme>
+    <a:fontScheme name="Стандартная">
+      <a:majorFont>
+        <a:latin typeface="Calibri Light" panose="020F0302020204030204"/>
+        <a:ea typeface=""/>
+        <a:cs typeface=""/>
+        <a:font script="Jpan" typeface="游ゴシック Light"/>
+        <a:font script="Hang" typeface="맑은 고딕"/>
+        <a:font script="Hans" typeface="等线 Light"/>
+        <a:font script="Hant" typeface="新細明體"/>
+        <a:font script="Arab" typeface="Times New Roman"/>
+        <a:font script="Hebr" typeface="Times New Roman"/>
+        <a:font script="Thai" typeface="Angsana New"/>
+        <a:font script="Ethi" typeface="Nyala"/>
+        <a:font script="Beng" typeface="Vrinda"/>
+        <a:font script="Gujr" typeface="Shruti"/>
+        <a:font script="Khmr" typeface="MoolBoran"/>
+        <a:font script="Knda" typeface="Tunga"/>
+        <a:font script="Guru" typeface="Raavi"/>
+        <a:font script="Cans" typeface="Euphemia"/>
+        <a:font script="Cher" typeface="Plantagenet Cherokee"/>
+        <a:font script="Yiii" typeface="Microsoft Yi Baiti"/>
+        <a:font script="Tibt" typeface="Microsoft Himalaya"/>
+        <a:font script="Thaa" typeface="MV Boli"/>
+        <a:font script="Deva" typeface="Mangal"/>
+        <a:font script="Telu" typeface="Gautami"/>
+        <a:font script="Taml" typeface="Latha"/>
+        <a:font script="Syrc" typeface="Estrangelo Edessa"/>
+        <a:font script="Orya" typeface="Kalinga"/>
+        <a:font script="Mlym" typeface="Kartika"/>
+        <a:font script="Laoo" typeface="DokChampa"/>
+        <a:font script="Sinh" typeface="Iskoola Pota"/>
+        <a:font script="Mong" typeface="Mongolian Baiti"/>
+        <a:font script="Viet" typeface="Times New Roman"/>
+        <a:font script="Uigh" typeface="Microsoft Uighur"/>
+        <a:font script="Geor" typeface="Sylfaen"/>
+        <a:font script="Armn" typeface="Arial"/>
+        <a:font script="Bugi" typeface="Leelawadee UI"/>
+        <a:font script="Bopo" typeface="Microsoft JhengHei"/>
+        <a:font script="Java" typeface="Javanese Text"/>
+        <a:font script="Lisu" typeface="Segoe UI"/>
+        <a:font script="Mymr" typeface="Myanmar Text"/>
+        <a:font script="Nkoo" typeface="Ebrima"/>
+        <a:font script="Olck" typeface="Nirmala UI"/>
+        <a:font script="Osma" typeface="Ebrima"/>
+        <a:font script="Phag" typeface="Phagspa"/>
+        <a:font script="Syrn" typeface="Estrangelo Edessa"/>
+        <a:font script="Syrj" typeface="Estrangelo Edessa"/>
+        <a:font script="Syre" typeface="Estrangelo Edessa"/>
+        <a:font script="Sora" typeface="Nirmala UI"/>
+        <a:font script="Tale" typeface="Microsoft Tai Le"/>
+        <a:font script="Talu" typeface="Microsoft New Tai Lue"/>
+        <a:font script="Tfng" typeface="Ebrima"/>
+      </a:majorFont>
+      <a:minorFont>
+        <a:latin typeface="Calibri" panose="020F0502020204030204"/>
+        <a:ea typeface=""/>
+        <a:cs typeface=""/>
+        <a:font script="Jpan" typeface="游ゴシック"/>
+        <a:font script="Hang" typeface="맑은 고딕"/>
+        <a:font script="Hans" typeface="等线"/>
+        <a:font script="Hant" typeface="新細明體"/>
+        <a:font script="Arab" typeface="Arial"/>
+        <a:font script="Hebr" typeface="Arial"/>
+        <a:font script="Thai" typeface="Cordia New"/>
+        <a:font script="Ethi" typeface="Nyala"/>
+        <a:font script="Beng" typeface="Vrinda"/>
+        <a:font script="Gujr" typeface="Shruti"/>
+        <a:font script="Khmr" typeface="DaunPenh"/>
+        <a:font script="Knda" typeface="Tunga"/>
+        <a:font script="Guru" typeface="Raavi"/>
+        <a:font script="Cans" typeface="Euphemia"/>
+        <a:font script="Cher" typeface="Plantagenet Cherokee"/>
+        <a:font script="Yiii" typeface="Microsoft Yi Baiti"/>
+        <a:font script="Tibt" typeface="Microsoft Himalaya"/>
+        <a:font script="Thaa" typeface="MV Boli"/>
+        <a:font script="Deva" typeface="Mangal"/>
+        <a:font script="Telu" typeface="Gautami"/>
+        <a:font script="Taml" typeface="Latha"/>
+        <a:font script="Syrc" typeface="Estrangelo Edessa"/>
+        <a:font script="Orya" typeface="Kalinga"/>
+        <a:font script="Mlym" typeface="Kartika"/>
+        <a:font script="Laoo" typeface="DokChampa"/>
+        <a:font script="Sinh" typeface="Iskoola Pota"/>
+        <a:font script="Mong" typeface="Mongolian Baiti"/>
+        <a:font script="Viet" typeface="Arial"/>
+        <a:font script="Uigh" typeface="Microsoft Uighur"/>
+        <a:font script="Geor" typeface="Sylfaen"/>
+        <a:font script="Armn" typeface="Arial"/>
+        <a:font script="Bugi" typeface="Leelawadee UI"/>
+        <a:font script="Bopo" typeface="Microsoft JhengHei"/>
+        <a:font script="Java" typeface="Javanese Text"/>
+        <a:font script="Lisu" typeface="Segoe UI"/>
+        <a:font script="Mymr" typeface="Myanmar Text"/>
+        <a:font script="Nkoo" typeface="Ebrima"/>
+        <a:font script="Olck" typeface="Nirmala UI"/>
+        <a:font script="Osma" typeface="Ebrima"/>
+        <a:font script="Phag" typeface="Phagspa"/>
+        <a:font script="Syrn" typeface="Estrangelo Edessa"/>
+        <a:font script="Syrj" typeface="Estrangelo Edessa"/>
+        <a:font script="Syre" typeface="Estrangelo Edessa"/>
+        <a:font script="Sora" typeface="Nirmala UI"/>
+        <a:font script="Tale" typeface="Microsoft Tai Le"/>
+        <a:font script="Talu" typeface="Microsoft New Tai Lue"/>
+        <a:font script="Tfng" typeface="Ebrima"/>
+      </a:minorFont>
+    </a:fontScheme>
+    <a:fmtScheme name="Стандартная">
+      <a:fillStyleLst>
+        <a:solidFill>
+          <a:schemeClr val="phClr"/>
+        </a:solidFill>
+        <a:gradFill rotWithShape="1">
+          <a:gsLst>
+            <a:gs pos="0">
+              <a:schemeClr val="phClr">
+                <a:lumMod val="110000"/>
+                <a:satMod val="105000"/>
+                <a:tint val="67000"/>
+              </a:schemeClr>
+            </a:gs>
+            <a:gs pos="50000">
+              <a:schemeClr val="phClr">
+                <a:lumMod val="105000"/>
+                <a:satMod val="103000"/>
+                <a:tint val="73000"/>
+              </a:schemeClr>
+            </a:gs>
+            <a:gs pos="100000">
+              <a:schemeClr val="phClr">
+                <a:lumMod val="105000"/>
+                <a:satMod val="109000"/>
+                <a:tint val="81000"/>
+              </a:schemeClr>
+            </a:gs>
+          </a:gsLst>
+          <a:lin ang="5400000" scaled="0"/>
+        </a:gradFill>
+        <a:gradFill rotWithShape="1">
+          <a:gsLst>
+            <a:gs pos="0">
+              <a:schemeClr val="phClr">
+                <a:satMod val="103000"/>
+                <a:lumMod val="102000"/>
+                <a:tint val="94000"/>
+              </a:schemeClr>
+            </a:gs>
+            <a:gs pos="50000">
+              <a:schemeClr val="phClr">
+                <a:satMod val="110000"/>
+                <a:lumMod val="100000"/>
+                <a:shade val="100000"/>
+              </a:schemeClr>
+            </a:gs>
+            <a:gs pos="100000">
+              <a:schemeClr val="phClr">
+                <a:lumMod val="99000"/>
+                <a:satMod val="120000"/>
+                <a:shade val="78000"/>
+              </a:schemeClr>
+            </a:gs>
+          </a:gsLst>
+          <a:lin ang="5400000" scaled="0"/>
+        </a:gradFill>
+      </a:fillStyleLst>
+      <a:lnStyleLst>
+        <a:ln w="6350" cap="flat" cmpd="sng" algn="ctr">
+          <a:solidFill>
+            <a:schemeClr val="phClr"/>
+          </a:solidFill>
+          <a:prstDash val="solid"/>
+          <a:miter lim="800000"/>
+        </a:ln>
+        <a:ln w="12700" cap="flat" cmpd="sng" algn="ctr">
+          <a:solidFill>
+            <a:schemeClr val="phClr"/>
+          </a:solidFill>
+          <a:prstDash val="solid"/>
+          <a:miter lim="800000"/>
+        </a:ln>
+        <a:ln w="19050" cap="flat" cmpd="sng" algn="ctr">
+          <a:solidFill>
+            <a:schemeClr val="phClr"/>
+          </a:solidFill>
+          <a:prstDash val="solid"/>
+          <a:miter lim="800000"/>
+        </a:ln>
+      </a:lnStyleLst>
+      <a:effectStyleLst>
+        <a:effectStyle>
+          <a:effectLst/>
+        </a:effectStyle>
+        <a:effectStyle>
+          <a:effectLst/>
+        </a:effectStyle>
+        <a:effectStyle>
+          <a:effectLst>
+            <a:outerShdw blurRad="57150" dist="19050" dir="5400000" algn="ctr" rotWithShape="0">
+              <a:srgbClr val="000000">
+                <a:alpha val="63000"/>
+              </a:srgbClr>
+            </a:outerShdw>
+          </a:effectLst>
+        </a:effectStyle>
+      </a:effectStyleLst>
+      <a:bgFillStyleLst>
+        <a:solidFill>
+          <a:schemeClr val="phClr"/>
+        </a:solidFill>
+        <a:solidFill>
+          <a:schemeClr val="phClr">
+            <a:tint val="95000"/>
+            <a:satMod val="170000"/>
+          </a:schemeClr>
+        </a:solidFill>
+        <a:gradFill rotWithShape="1">
+          <a:gsLst>
+            <a:gs pos="0">
+              <a:schemeClr val="phClr">
+                <a:tint val="93000"/>
+                <a:satMod val="150000"/>
+                <a:shade val="98000"/>
+                <a:lumMod val="102000"/>
+              </a:schemeClr>
+            </a:gs>
+            <a:gs pos="50000">
+              <a:schemeClr val="phClr">
+                <a:tint val="98000"/>
+                <a:satMod val="130000"/>
+                <a:shade val="90000"/>
+                <a:lumMod val="103000"/>
+              </a:schemeClr>
+            </a:gs>
+            <a:gs pos="100000">
+              <a:schemeClr val="phClr">
+                <a:shade val="63000"/>
+                <a:satMod val="120000"/>
+              </a:schemeClr>
+            </a:gs>
+          </a:gsLst>
+          <a:lin ang="5400000" scaled="0"/>
+        </a:gradFill>
+      </a:bgFillStyleLst>
+    </a:fmtScheme>
+  </a:themeElements>
+  <a:objectDefaults/>
+  <a:extraClrSchemeLst/>
+  <a:extLst>
+    <a:ext uri="{05A4C25C-085E-4340-85A3-A5531E510DB2}">
+      <thm15:themeFamily xmlns:thm15="http://schemas.microsoft.com/office/thememl/2012/main" name="Office Theme" id="{62F939B6-93AF-4DB8-9C6B-D6C7DFDC589F}" vid="{4A3C46E8-61CC-4603-A589-7422A47A8E4A}"/>
+    </a:ext>
+  </a:extLst>
+</a:theme>
 </file>